--- a/06-LESS.pptx
+++ b/06-LESS.pptx
@@ -5,13 +5,16 @@
     <p:sldMasterId id="2147483648" r:id="rId1"/>
   </p:sldMasterIdLst>
   <p:notesMasterIdLst>
-    <p:notesMasterId r:id="rId6"/>
+    <p:notesMasterId r:id="rId9"/>
   </p:notesMasterIdLst>
   <p:sldIdLst>
     <p:sldId id="256" r:id="rId2"/>
     <p:sldId id="287" r:id="rId3"/>
-    <p:sldId id="265" r:id="rId4"/>
-    <p:sldId id="269" r:id="rId5"/>
+    <p:sldId id="288" r:id="rId4"/>
+    <p:sldId id="289" r:id="rId5"/>
+    <p:sldId id="290" r:id="rId6"/>
+    <p:sldId id="265" r:id="rId7"/>
+    <p:sldId id="269" r:id="rId8"/>
   </p:sldIdLst>
   <p:sldSz cx="9144000" cy="6858000" type="screen4x3"/>
   <p:notesSz cx="6858000" cy="9144000"/>
@@ -223,7 +226,7 @@
           <a:p>
             <a:fld id="{2E054F57-E93D-4CC3-8A27-2F256E70BB98}" type="datetimeFigureOut">
               <a:rPr lang="en-US" smtClean="0"/>
-              <a:t>27 Jul 15</a:t>
+              <a:t>28 Jul 15</a:t>
             </a:fld>
             <a:endParaRPr lang="en-US"/>
           </a:p>
@@ -672,7 +675,7 @@
           <a:p>
             <a:fld id="{3EA744D9-3FBE-48D8-BF2A-85DF203E4D20}" type="datetimeFigureOut">
               <a:rPr lang="bg-BG" smtClean="0"/>
-              <a:t>27.7.2015 г.</a:t>
+              <a:t>28.7.2015 г.</a:t>
             </a:fld>
             <a:endParaRPr lang="bg-BG"/>
           </a:p>
@@ -842,7 +845,7 @@
           <a:p>
             <a:fld id="{3EA744D9-3FBE-48D8-BF2A-85DF203E4D20}" type="datetimeFigureOut">
               <a:rPr lang="bg-BG" smtClean="0"/>
-              <a:t>27.7.2015 г.</a:t>
+              <a:t>28.7.2015 г.</a:t>
             </a:fld>
             <a:endParaRPr lang="bg-BG"/>
           </a:p>
@@ -1022,7 +1025,7 @@
           <a:p>
             <a:fld id="{3EA744D9-3FBE-48D8-BF2A-85DF203E4D20}" type="datetimeFigureOut">
               <a:rPr lang="bg-BG" smtClean="0"/>
-              <a:t>27.7.2015 г.</a:t>
+              <a:t>28.7.2015 г.</a:t>
             </a:fld>
             <a:endParaRPr lang="bg-BG"/>
           </a:p>
@@ -1192,7 +1195,7 @@
           <a:p>
             <a:fld id="{3EA744D9-3FBE-48D8-BF2A-85DF203E4D20}" type="datetimeFigureOut">
               <a:rPr lang="bg-BG" smtClean="0"/>
-              <a:t>27.7.2015 г.</a:t>
+              <a:t>28.7.2015 г.</a:t>
             </a:fld>
             <a:endParaRPr lang="bg-BG"/>
           </a:p>
@@ -1438,7 +1441,7 @@
           <a:p>
             <a:fld id="{3EA744D9-3FBE-48D8-BF2A-85DF203E4D20}" type="datetimeFigureOut">
               <a:rPr lang="bg-BG" smtClean="0"/>
-              <a:t>27.7.2015 г.</a:t>
+              <a:t>28.7.2015 г.</a:t>
             </a:fld>
             <a:endParaRPr lang="bg-BG"/>
           </a:p>
@@ -1726,7 +1729,7 @@
           <a:p>
             <a:fld id="{3EA744D9-3FBE-48D8-BF2A-85DF203E4D20}" type="datetimeFigureOut">
               <a:rPr lang="bg-BG" smtClean="0"/>
-              <a:t>27.7.2015 г.</a:t>
+              <a:t>28.7.2015 г.</a:t>
             </a:fld>
             <a:endParaRPr lang="bg-BG"/>
           </a:p>
@@ -2148,7 +2151,7 @@
           <a:p>
             <a:fld id="{3EA744D9-3FBE-48D8-BF2A-85DF203E4D20}" type="datetimeFigureOut">
               <a:rPr lang="bg-BG" smtClean="0"/>
-              <a:t>27.7.2015 г.</a:t>
+              <a:t>28.7.2015 г.</a:t>
             </a:fld>
             <a:endParaRPr lang="bg-BG"/>
           </a:p>
@@ -2266,7 +2269,7 @@
           <a:p>
             <a:fld id="{3EA744D9-3FBE-48D8-BF2A-85DF203E4D20}" type="datetimeFigureOut">
               <a:rPr lang="bg-BG" smtClean="0"/>
-              <a:t>27.7.2015 г.</a:t>
+              <a:t>28.7.2015 г.</a:t>
             </a:fld>
             <a:endParaRPr lang="bg-BG"/>
           </a:p>
@@ -2361,7 +2364,7 @@
           <a:p>
             <a:fld id="{3EA744D9-3FBE-48D8-BF2A-85DF203E4D20}" type="datetimeFigureOut">
               <a:rPr lang="bg-BG" smtClean="0"/>
-              <a:t>27.7.2015 г.</a:t>
+              <a:t>28.7.2015 г.</a:t>
             </a:fld>
             <a:endParaRPr lang="bg-BG"/>
           </a:p>
@@ -2638,7 +2641,7 @@
           <a:p>
             <a:fld id="{3EA744D9-3FBE-48D8-BF2A-85DF203E4D20}" type="datetimeFigureOut">
               <a:rPr lang="bg-BG" smtClean="0"/>
-              <a:t>27.7.2015 г.</a:t>
+              <a:t>28.7.2015 г.</a:t>
             </a:fld>
             <a:endParaRPr lang="bg-BG"/>
           </a:p>
@@ -2891,7 +2894,7 @@
           <a:p>
             <a:fld id="{3EA744D9-3FBE-48D8-BF2A-85DF203E4D20}" type="datetimeFigureOut">
               <a:rPr lang="bg-BG" smtClean="0"/>
-              <a:t>27.7.2015 г.</a:t>
+              <a:t>28.7.2015 г.</a:t>
             </a:fld>
             <a:endParaRPr lang="bg-BG"/>
           </a:p>
@@ -3113,7 +3116,7 @@
           <a:p>
             <a:fld id="{3EA744D9-3FBE-48D8-BF2A-85DF203E4D20}" type="datetimeFigureOut">
               <a:rPr lang="bg-BG" smtClean="0"/>
-              <a:t>27.7.2015 г.</a:t>
+              <a:t>28.7.2015 г.</a:t>
             </a:fld>
             <a:endParaRPr lang="bg-BG"/>
           </a:p>
@@ -3506,12 +3509,20 @@
           <a:lstStyle/>
           <a:p>
             <a:r>
+              <a:rPr lang="en-US" dirty="0" smtClean="0">
+                <a:solidFill>
+                  <a:schemeClr val="accent6"/>
+                </a:solidFill>
+              </a:rPr>
+              <a:t>Preprocessors </a:t>
+            </a:r>
+            <a:r>
               <a:rPr lang="bg-BG" dirty="0" smtClean="0">
                 <a:solidFill>
                   <a:schemeClr val="accent6"/>
                 </a:solidFill>
               </a:rPr>
-              <a:t>Препроцесори - </a:t>
+              <a:t>- </a:t>
             </a:r>
             <a:r>
               <a:rPr lang="en-US" dirty="0" smtClean="0">
@@ -3595,7 +3606,7 @@
                   <a:schemeClr val="accent6"/>
                 </a:solidFill>
               </a:rPr>
-              <a:t>LESS</a:t>
+              <a:t>Preprocessors</a:t>
             </a:r>
             <a:endParaRPr lang="bg-BG" dirty="0">
               <a:solidFill>
@@ -3622,10 +3633,131 @@
           </a:bodyPr>
           <a:lstStyle/>
           <a:p>
-            <a:pPr>
-              <a:buFont typeface="Wingdings" panose="05000000000000000000" pitchFamily="2" charset="2"/>
-              <a:buChar char="§"/>
+            <a:pPr marL="0" indent="0">
+              <a:buNone/>
             </a:pPr>
+            <a:r>
+              <a:rPr lang="en-US" sz="3000" dirty="0" smtClean="0">
+                <a:solidFill>
+                  <a:schemeClr val="bg1"/>
+                </a:solidFill>
+                <a:latin typeface="+mj-lt"/>
+                <a:cs typeface="Courier New" panose="02070309020205020404" pitchFamily="49" charset="0"/>
+              </a:rPr>
+              <a:t>			</a:t>
+            </a:r>
+            <a:r>
+              <a:rPr lang="bg-BG" sz="3000" dirty="0" smtClean="0">
+                <a:solidFill>
+                  <a:schemeClr val="bg1"/>
+                </a:solidFill>
+                <a:latin typeface="+mj-lt"/>
+                <a:cs typeface="Courier New" panose="02070309020205020404" pitchFamily="49" charset="0"/>
+              </a:rPr>
+              <a:t>Спомагат за писането на лесен за </a:t>
+            </a:r>
+            <a:r>
+              <a:rPr lang="en-US" sz="3000" dirty="0" smtClean="0">
+                <a:solidFill>
+                  <a:schemeClr val="bg1"/>
+                </a:solidFill>
+                <a:latin typeface="+mj-lt"/>
+                <a:cs typeface="Courier New" panose="02070309020205020404" pitchFamily="49" charset="0"/>
+              </a:rPr>
+              <a:t>			</a:t>
+            </a:r>
+            <a:r>
+              <a:rPr lang="bg-BG" sz="3000" dirty="0" smtClean="0">
+                <a:solidFill>
+                  <a:schemeClr val="bg1"/>
+                </a:solidFill>
+                <a:latin typeface="+mj-lt"/>
+                <a:cs typeface="Courier New" panose="02070309020205020404" pitchFamily="49" charset="0"/>
+              </a:rPr>
+              <a:t>поддръжка код, като сериозно </a:t>
+            </a:r>
+            <a:endParaRPr lang="en-US" sz="3000" dirty="0" smtClean="0">
+              <a:solidFill>
+                <a:schemeClr val="bg1"/>
+              </a:solidFill>
+              <a:latin typeface="+mj-lt"/>
+              <a:cs typeface="Courier New" panose="02070309020205020404" pitchFamily="49" charset="0"/>
+            </a:endParaRPr>
+          </a:p>
+          <a:p>
+            <a:pPr marL="0" indent="0">
+              <a:buNone/>
+            </a:pPr>
+            <a:r>
+              <a:rPr lang="en-US" sz="3000" dirty="0" smtClean="0">
+                <a:solidFill>
+                  <a:schemeClr val="bg1"/>
+                </a:solidFill>
+                <a:latin typeface="+mj-lt"/>
+                <a:cs typeface="Courier New" panose="02070309020205020404" pitchFamily="49" charset="0"/>
+              </a:rPr>
+              <a:t>			</a:t>
+            </a:r>
+            <a:r>
+              <a:rPr lang="bg-BG" sz="3000" dirty="0" smtClean="0">
+                <a:solidFill>
+                  <a:schemeClr val="bg1"/>
+                </a:solidFill>
+                <a:latin typeface="+mj-lt"/>
+                <a:cs typeface="Courier New" panose="02070309020205020404" pitchFamily="49" charset="0"/>
+              </a:rPr>
+              <a:t>намаляват количеството на </a:t>
+            </a:r>
+            <a:r>
+              <a:rPr lang="en-US" sz="3000" dirty="0" smtClean="0">
+                <a:solidFill>
+                  <a:schemeClr val="bg1"/>
+                </a:solidFill>
+                <a:latin typeface="+mj-lt"/>
+                <a:cs typeface="Courier New" panose="02070309020205020404" pitchFamily="49" charset="0"/>
+              </a:rPr>
+              <a:t>CSS </a:t>
+            </a:r>
+            <a:r>
+              <a:rPr lang="bg-BG" sz="3000" dirty="0" smtClean="0">
+                <a:solidFill>
+                  <a:schemeClr val="bg1"/>
+                </a:solidFill>
+                <a:latin typeface="+mj-lt"/>
+                <a:cs typeface="Courier New" panose="02070309020205020404" pitchFamily="49" charset="0"/>
+              </a:rPr>
+              <a:t>декларациите. Най-голяма приложимост препроцесорите имат в големи</a:t>
+            </a:r>
+            <a:r>
+              <a:rPr lang="en-US" sz="3000" dirty="0" smtClean="0">
+                <a:solidFill>
+                  <a:schemeClr val="bg1"/>
+                </a:solidFill>
+                <a:latin typeface="+mj-lt"/>
+                <a:cs typeface="Courier New" panose="02070309020205020404" pitchFamily="49" charset="0"/>
+              </a:rPr>
+              <a:t> </a:t>
+            </a:r>
+            <a:r>
+              <a:rPr lang="bg-BG" sz="3000" dirty="0" smtClean="0">
+                <a:solidFill>
+                  <a:schemeClr val="bg1"/>
+                </a:solidFill>
+                <a:latin typeface="+mj-lt"/>
+                <a:cs typeface="Courier New" panose="02070309020205020404" pitchFamily="49" charset="0"/>
+              </a:rPr>
+              <a:t>потребителски интерфейси, които изискват огромни количества </a:t>
+            </a:r>
+            <a:r>
+              <a:rPr lang="en-US" sz="3000" dirty="0" smtClean="0">
+                <a:solidFill>
+                  <a:schemeClr val="bg1"/>
+                </a:solidFill>
+                <a:latin typeface="+mj-lt"/>
+                <a:cs typeface="Courier New" panose="02070309020205020404" pitchFamily="49" charset="0"/>
+              </a:rPr>
+              <a:t>CSS.</a:t>
+            </a:r>
             <a:endParaRPr lang="en-US" sz="3000" dirty="0">
               <a:solidFill>
                 <a:schemeClr val="bg1"/>
@@ -3940,6 +4072,36 @@
           </a:p>
         </p:txBody>
       </p:sp>
+      <p:pic>
+        <p:nvPicPr>
+          <p:cNvPr id="4" name="Picture 3"/>
+          <p:cNvPicPr>
+            <a:picLocks noChangeAspect="1"/>
+          </p:cNvPicPr>
+          <p:nvPr/>
+        </p:nvPicPr>
+        <p:blipFill>
+          <a:blip r:embed="rId2">
+            <a:extLst>
+              <a:ext uri="{28A0092B-C50C-407E-A947-70E740481C1C}">
+                <a14:useLocalDpi xmlns:a14="http://schemas.microsoft.com/office/drawing/2010/main" val="0"/>
+              </a:ext>
+            </a:extLst>
+          </a:blip>
+          <a:stretch>
+            <a:fillRect/>
+          </a:stretch>
+        </p:blipFill>
+        <p:spPr>
+          <a:xfrm>
+            <a:off x="457200" y="1724820"/>
+            <a:ext cx="2630966" cy="1170780"/>
+          </a:xfrm>
+          <a:prstGeom prst="rect">
+            <a:avLst/>
+          </a:prstGeom>
+        </p:spPr>
+      </p:pic>
     </p:spTree>
     <p:extLst>
       <p:ext uri="{BB962C8B-B14F-4D97-AF65-F5344CB8AC3E}">
@@ -3989,6 +4151,1587 @@
         </p:nvSpPr>
         <p:spPr>
           <a:xfrm>
+            <a:off x="457200" y="685800"/>
+            <a:ext cx="8610600" cy="1143000"/>
+          </a:xfrm>
+        </p:spPr>
+        <p:txBody>
+          <a:bodyPr>
+            <a:normAutofit/>
+          </a:bodyPr>
+          <a:lstStyle/>
+          <a:p>
+            <a:pPr algn="l"/>
+            <a:r>
+              <a:rPr lang="bg-BG" dirty="0" smtClean="0">
+                <a:solidFill>
+                  <a:schemeClr val="accent6"/>
+                </a:solidFill>
+              </a:rPr>
+              <a:t>Предимства и недостатъци</a:t>
+            </a:r>
+            <a:endParaRPr lang="bg-BG" dirty="0">
+              <a:solidFill>
+                <a:schemeClr val="accent6"/>
+              </a:solidFill>
+            </a:endParaRPr>
+          </a:p>
+        </p:txBody>
+      </p:sp>
+      <p:sp>
+        <p:nvSpPr>
+          <p:cNvPr id="6" name="Content Placeholder 5"/>
+          <p:cNvSpPr>
+            <a:spLocks noGrp="1"/>
+          </p:cNvSpPr>
+          <p:nvPr>
+            <p:ph idx="1"/>
+          </p:nvPr>
+        </p:nvSpPr>
+        <p:spPr/>
+        <p:txBody>
+          <a:bodyPr>
+            <a:normAutofit fontScale="92500" lnSpcReduction="20000"/>
+          </a:bodyPr>
+          <a:lstStyle/>
+          <a:p>
+            <a:pPr>
+              <a:buFont typeface="Calibri" panose="020F0502020204030204" pitchFamily="34" charset="0"/>
+              <a:buChar char="+"/>
+            </a:pPr>
+            <a:r>
+              <a:rPr lang="bg-BG" sz="3000" dirty="0" smtClean="0">
+                <a:solidFill>
+                  <a:schemeClr val="bg1"/>
+                </a:solidFill>
+                <a:latin typeface="+mj-lt"/>
+                <a:cs typeface="Courier New" panose="02070309020205020404" pitchFamily="49" charset="0"/>
+              </a:rPr>
+              <a:t>Модулация, преносимост</a:t>
+            </a:r>
+          </a:p>
+          <a:p>
+            <a:pPr>
+              <a:buFont typeface="Calibri" panose="020F0502020204030204" pitchFamily="34" charset="0"/>
+              <a:buChar char="+"/>
+            </a:pPr>
+            <a:r>
+              <a:rPr lang="bg-BG" sz="3000" dirty="0" smtClean="0">
+                <a:solidFill>
+                  <a:schemeClr val="bg1"/>
+                </a:solidFill>
+                <a:latin typeface="+mj-lt"/>
+                <a:cs typeface="Courier New" panose="02070309020205020404" pitchFamily="49" charset="0"/>
+              </a:rPr>
+              <a:t>Преизползваем код</a:t>
+            </a:r>
+          </a:p>
+          <a:p>
+            <a:pPr>
+              <a:buFont typeface="Calibri" panose="020F0502020204030204" pitchFamily="34" charset="0"/>
+              <a:buChar char="+"/>
+            </a:pPr>
+            <a:r>
+              <a:rPr lang="bg-BG" sz="3000" dirty="0" smtClean="0">
+                <a:solidFill>
+                  <a:schemeClr val="bg1"/>
+                </a:solidFill>
+                <a:latin typeface="+mj-lt"/>
+                <a:cs typeface="Courier New" panose="02070309020205020404" pitchFamily="49" charset="0"/>
+              </a:rPr>
+              <a:t>По-бърза разработка</a:t>
+            </a:r>
+          </a:p>
+          <a:p>
+            <a:pPr>
+              <a:buFont typeface="Calibri" panose="020F0502020204030204" pitchFamily="34" charset="0"/>
+              <a:buChar char="+"/>
+            </a:pPr>
+            <a:r>
+              <a:rPr lang="bg-BG" sz="3000" dirty="0" smtClean="0">
+                <a:solidFill>
+                  <a:schemeClr val="bg1"/>
+                </a:solidFill>
+                <a:latin typeface="+mj-lt"/>
+                <a:cs typeface="Courier New" panose="02070309020205020404" pitchFamily="49" charset="0"/>
+              </a:rPr>
+              <a:t>По-малко код</a:t>
+            </a:r>
+          </a:p>
+          <a:p>
+            <a:pPr>
+              <a:buFont typeface="Calibri" panose="020F0502020204030204" pitchFamily="34" charset="0"/>
+              <a:buChar char="-"/>
+            </a:pPr>
+            <a:r>
+              <a:rPr lang="bg-BG" sz="3000" dirty="0" smtClean="0">
+                <a:solidFill>
+                  <a:schemeClr val="bg1"/>
+                </a:solidFill>
+                <a:latin typeface="+mj-lt"/>
+                <a:cs typeface="Courier New" panose="02070309020205020404" pitchFamily="49" charset="0"/>
+              </a:rPr>
+              <a:t>Един език повече</a:t>
+            </a:r>
+          </a:p>
+          <a:p>
+            <a:pPr>
+              <a:buFont typeface="Calibri" panose="020F0502020204030204" pitchFamily="34" charset="0"/>
+              <a:buChar char="-"/>
+            </a:pPr>
+            <a:r>
+              <a:rPr lang="bg-BG" sz="3000" dirty="0" smtClean="0">
+                <a:solidFill>
+                  <a:schemeClr val="bg1"/>
+                </a:solidFill>
+                <a:latin typeface="+mj-lt"/>
+                <a:cs typeface="Courier New" panose="02070309020205020404" pitchFamily="49" charset="0"/>
+              </a:rPr>
+              <a:t>В екипът трябва да има човек, запознат с езика</a:t>
+            </a:r>
+          </a:p>
+          <a:p>
+            <a:pPr>
+              <a:buFont typeface="Calibri" panose="020F0502020204030204" pitchFamily="34" charset="0"/>
+              <a:buChar char="-"/>
+            </a:pPr>
+            <a:r>
+              <a:rPr lang="bg-BG" sz="3000" dirty="0" smtClean="0">
+                <a:solidFill>
+                  <a:schemeClr val="bg1"/>
+                </a:solidFill>
+                <a:latin typeface="+mj-lt"/>
+                <a:cs typeface="Courier New" panose="02070309020205020404" pitchFamily="49" charset="0"/>
+              </a:rPr>
+              <a:t>Не работи без компилация, съответно н</a:t>
+            </a:r>
+            <a:r>
+              <a:rPr lang="bg-BG" sz="3000" dirty="0" smtClean="0">
+                <a:solidFill>
+                  <a:schemeClr val="bg1"/>
+                </a:solidFill>
+                <a:latin typeface="+mj-lt"/>
+                <a:cs typeface="Courier New" panose="02070309020205020404" pitchFamily="49" charset="0"/>
+              </a:rPr>
+              <a:t>яма възможност за бърза редакция на нужните файлове</a:t>
+            </a:r>
+          </a:p>
+          <a:p>
+            <a:pPr>
+              <a:buFont typeface="Calibri" panose="020F0502020204030204" pitchFamily="34" charset="0"/>
+              <a:buChar char="-"/>
+            </a:pPr>
+            <a:r>
+              <a:rPr lang="bg-BG" sz="3000" dirty="0" smtClean="0">
+                <a:solidFill>
+                  <a:schemeClr val="bg1"/>
+                </a:solidFill>
+                <a:latin typeface="+mj-lt"/>
+                <a:cs typeface="Courier New" panose="02070309020205020404" pitchFamily="49" charset="0"/>
+              </a:rPr>
+              <a:t>В някои случаи повече може да навреди, отколкото да помогне</a:t>
+            </a:r>
+            <a:endParaRPr lang="bg-BG" sz="3000" dirty="0" smtClean="0">
+              <a:solidFill>
+                <a:schemeClr val="bg1"/>
+              </a:solidFill>
+              <a:latin typeface="+mj-lt"/>
+              <a:cs typeface="Courier New" panose="02070309020205020404" pitchFamily="49" charset="0"/>
+            </a:endParaRPr>
+          </a:p>
+          <a:p>
+            <a:pPr>
+              <a:buFont typeface="Calibri" panose="020F0502020204030204" pitchFamily="34" charset="0"/>
+              <a:buChar char="-"/>
+            </a:pPr>
+            <a:endParaRPr lang="bg-BG" sz="3000" dirty="0" smtClean="0">
+              <a:solidFill>
+                <a:schemeClr val="bg1"/>
+              </a:solidFill>
+              <a:latin typeface="+mj-lt"/>
+              <a:cs typeface="Courier New" panose="02070309020205020404" pitchFamily="49" charset="0"/>
+            </a:endParaRPr>
+          </a:p>
+          <a:p>
+            <a:pPr>
+              <a:buFont typeface="Calibri" panose="020F0502020204030204" pitchFamily="34" charset="0"/>
+              <a:buChar char="+"/>
+            </a:pPr>
+            <a:endParaRPr lang="en-US" sz="3000" dirty="0">
+              <a:solidFill>
+                <a:schemeClr val="bg1"/>
+              </a:solidFill>
+              <a:latin typeface="+mj-lt"/>
+              <a:cs typeface="Courier New" panose="02070309020205020404" pitchFamily="49" charset="0"/>
+            </a:endParaRPr>
+          </a:p>
+        </p:txBody>
+      </p:sp>
+      <p:sp>
+        <p:nvSpPr>
+          <p:cNvPr id="3" name="Rectangle 1"/>
+          <p:cNvSpPr>
+            <a:spLocks noChangeArrowheads="1"/>
+          </p:cNvSpPr>
+          <p:nvPr/>
+        </p:nvSpPr>
+        <p:spPr bwMode="auto">
+          <a:xfrm>
+            <a:off x="0" y="0"/>
+            <a:ext cx="9144000" cy="0"/>
+          </a:xfrm>
+          <a:prstGeom prst="rect">
+            <a:avLst/>
+          </a:prstGeom>
+          <a:solidFill>
+            <a:srgbClr val="F1F1F1"/>
+          </a:solidFill>
+          <a:ln>
+            <a:noFill/>
+          </a:ln>
+          <a:effectLst/>
+          <a:extLst>
+            <a:ext uri="{91240B29-F687-4F45-9708-019B960494DF}">
+              <a14:hiddenLine xmlns:a14="http://schemas.microsoft.com/office/drawing/2010/main" w="9525">
+                <a:solidFill>
+                  <a:schemeClr val="tx1"/>
+                </a:solidFill>
+                <a:miter lim="800000"/>
+                <a:headEnd/>
+                <a:tailEnd/>
+              </a14:hiddenLine>
+            </a:ext>
+            <a:ext uri="{AF507438-7753-43E0-B8FC-AC1667EBCBE1}">
+              <a14:hiddenEffects xmlns:a14="http://schemas.microsoft.com/office/drawing/2010/main">
+                <a:effectLst>
+                  <a:outerShdw dist="35921" dir="2700000" algn="ctr" rotWithShape="0">
+                    <a:schemeClr val="bg2"/>
+                  </a:outerShdw>
+                </a:effectLst>
+              </a14:hiddenEffects>
+            </a:ext>
+          </a:extLst>
+        </p:spPr>
+        <p:txBody>
+          <a:bodyPr vert="horz" wrap="none" lIns="91440" tIns="0" rIns="91440" bIns="88872" numCol="1" anchor="ctr" anchorCtr="0" compatLnSpc="1">
+            <a:prstTxWarp prst="textNoShape">
+              <a:avLst/>
+            </a:prstTxWarp>
+            <a:spAutoFit/>
+          </a:bodyPr>
+          <a:lstStyle/>
+          <a:p>
+            <a:pPr marL="0" marR="0" lvl="0" indent="0" algn="l" defTabSz="914400" rtl="0" eaLnBrk="0" fontAlgn="base" latinLnBrk="0" hangingPunct="0">
+              <a:lnSpc>
+                <a:spcPct val="100000"/>
+              </a:lnSpc>
+              <a:spcBef>
+                <a:spcPct val="0"/>
+              </a:spcBef>
+              <a:spcAft>
+                <a:spcPct val="0"/>
+              </a:spcAft>
+              <a:buClrTx/>
+              <a:buSzTx/>
+              <a:buFontTx/>
+              <a:buNone/>
+              <a:tabLst/>
+            </a:pPr>
+            <a:endParaRPr kumimoji="0" lang="en-US" altLang="en-US" sz="1800" b="0" i="0" u="none" strike="noStrike" cap="none" normalizeH="0" baseline="0" smtClean="0">
+              <a:ln>
+                <a:noFill/>
+              </a:ln>
+              <a:solidFill>
+                <a:schemeClr val="tx1"/>
+              </a:solidFill>
+              <a:effectLst/>
+              <a:latin typeface="Arial" panose="020B0604020202020204" pitchFamily="34" charset="0"/>
+            </a:endParaRPr>
+          </a:p>
+          <a:p>
+            <a:pPr marL="0" marR="0" lvl="0" indent="0" algn="l" defTabSz="914400" rtl="0" eaLnBrk="0" fontAlgn="base" latinLnBrk="0" hangingPunct="0">
+              <a:lnSpc>
+                <a:spcPct val="100000"/>
+              </a:lnSpc>
+              <a:spcBef>
+                <a:spcPct val="0"/>
+              </a:spcBef>
+              <a:spcAft>
+                <a:spcPct val="0"/>
+              </a:spcAft>
+              <a:buClrTx/>
+              <a:buSzTx/>
+              <a:buFontTx/>
+              <a:buChar char="•"/>
+              <a:tabLst/>
+            </a:pPr>
+            <a:r>
+              <a:rPr kumimoji="0" lang="en-US" altLang="en-US" sz="1100" b="0" i="0" u="none" strike="noStrike" cap="none" normalizeH="0" baseline="0" smtClean="0">
+                <a:ln>
+                  <a:noFill/>
+                </a:ln>
+                <a:solidFill>
+                  <a:srgbClr val="DC143C"/>
+                </a:solidFill>
+                <a:effectLst/>
+                <a:latin typeface="Menlo"/>
+              </a:rPr>
+              <a:t>column-count</a:t>
+            </a:r>
+            <a:endParaRPr kumimoji="0" lang="en-US" altLang="en-US" sz="1100" b="0" i="0" u="none" strike="noStrike" cap="none" normalizeH="0" baseline="0" smtClean="0">
+              <a:ln>
+                <a:noFill/>
+              </a:ln>
+              <a:solidFill>
+                <a:srgbClr val="333333"/>
+              </a:solidFill>
+              <a:effectLst/>
+              <a:latin typeface="Verdana" panose="020B0604030504040204" pitchFamily="34" charset="0"/>
+            </a:endParaRPr>
+          </a:p>
+          <a:p>
+            <a:pPr marL="0" marR="0" lvl="0" indent="0" algn="l" defTabSz="914400" rtl="0" eaLnBrk="0" fontAlgn="base" latinLnBrk="0" hangingPunct="0">
+              <a:lnSpc>
+                <a:spcPct val="100000"/>
+              </a:lnSpc>
+              <a:spcBef>
+                <a:spcPct val="0"/>
+              </a:spcBef>
+              <a:spcAft>
+                <a:spcPct val="0"/>
+              </a:spcAft>
+              <a:buClrTx/>
+              <a:buSzTx/>
+              <a:buFontTx/>
+              <a:buNone/>
+              <a:tabLst/>
+            </a:pPr>
+            <a:endParaRPr kumimoji="0" lang="en-US" altLang="en-US" sz="1800" b="0" i="0" u="none" strike="noStrike" cap="none" normalizeH="0" baseline="0" smtClean="0">
+              <a:ln>
+                <a:noFill/>
+              </a:ln>
+              <a:solidFill>
+                <a:schemeClr val="tx1"/>
+              </a:solidFill>
+              <a:effectLst/>
+              <a:latin typeface="Arial" panose="020B0604020202020204" pitchFamily="34" charset="0"/>
+            </a:endParaRPr>
+          </a:p>
+        </p:txBody>
+      </p:sp>
+      <p:sp>
+        <p:nvSpPr>
+          <p:cNvPr id="5" name="Rectangle 3"/>
+          <p:cNvSpPr>
+            <a:spLocks noChangeArrowheads="1"/>
+          </p:cNvSpPr>
+          <p:nvPr/>
+        </p:nvSpPr>
+        <p:spPr bwMode="auto">
+          <a:xfrm>
+            <a:off x="152400" y="152400"/>
+            <a:ext cx="9144000" cy="0"/>
+          </a:xfrm>
+          <a:prstGeom prst="rect">
+            <a:avLst/>
+          </a:prstGeom>
+          <a:solidFill>
+            <a:srgbClr val="F1F1F1"/>
+          </a:solidFill>
+          <a:ln>
+            <a:noFill/>
+          </a:ln>
+          <a:effectLst/>
+          <a:extLst>
+            <a:ext uri="{91240B29-F687-4F45-9708-019B960494DF}">
+              <a14:hiddenLine xmlns:a14="http://schemas.microsoft.com/office/drawing/2010/main" w="9525">
+                <a:solidFill>
+                  <a:schemeClr val="tx1"/>
+                </a:solidFill>
+                <a:miter lim="800000"/>
+                <a:headEnd/>
+                <a:tailEnd/>
+              </a14:hiddenLine>
+            </a:ext>
+            <a:ext uri="{AF507438-7753-43E0-B8FC-AC1667EBCBE1}">
+              <a14:hiddenEffects xmlns:a14="http://schemas.microsoft.com/office/drawing/2010/main">
+                <a:effectLst>
+                  <a:outerShdw dist="35921" dir="2700000" algn="ctr" rotWithShape="0">
+                    <a:schemeClr val="bg2"/>
+                  </a:outerShdw>
+                </a:effectLst>
+              </a14:hiddenEffects>
+            </a:ext>
+          </a:extLst>
+        </p:spPr>
+        <p:txBody>
+          <a:bodyPr vert="horz" wrap="none" lIns="91440" tIns="0" rIns="91440" bIns="88872" numCol="1" anchor="ctr" anchorCtr="0" compatLnSpc="1">
+            <a:prstTxWarp prst="textNoShape">
+              <a:avLst/>
+            </a:prstTxWarp>
+            <a:spAutoFit/>
+          </a:bodyPr>
+          <a:lstStyle/>
+          <a:p>
+            <a:pPr marL="0" marR="0" lvl="0" indent="0" algn="l" defTabSz="914400" rtl="0" eaLnBrk="0" fontAlgn="base" latinLnBrk="0" hangingPunct="0">
+              <a:lnSpc>
+                <a:spcPct val="100000"/>
+              </a:lnSpc>
+              <a:spcBef>
+                <a:spcPct val="0"/>
+              </a:spcBef>
+              <a:spcAft>
+                <a:spcPct val="0"/>
+              </a:spcAft>
+              <a:buClrTx/>
+              <a:buSzTx/>
+              <a:buFontTx/>
+              <a:buNone/>
+              <a:tabLst/>
+            </a:pPr>
+            <a:endParaRPr kumimoji="0" lang="en-US" altLang="en-US" sz="1800" b="0" i="0" u="none" strike="noStrike" cap="none" normalizeH="0" baseline="0" smtClean="0">
+              <a:ln>
+                <a:noFill/>
+              </a:ln>
+              <a:solidFill>
+                <a:schemeClr val="tx1"/>
+              </a:solidFill>
+              <a:effectLst/>
+              <a:latin typeface="Arial" panose="020B0604020202020204" pitchFamily="34" charset="0"/>
+            </a:endParaRPr>
+          </a:p>
+          <a:p>
+            <a:pPr marL="0" marR="0" lvl="0" indent="0" algn="l" defTabSz="914400" rtl="0" eaLnBrk="0" fontAlgn="base" latinLnBrk="0" hangingPunct="0">
+              <a:lnSpc>
+                <a:spcPct val="100000"/>
+              </a:lnSpc>
+              <a:spcBef>
+                <a:spcPct val="0"/>
+              </a:spcBef>
+              <a:spcAft>
+                <a:spcPct val="0"/>
+              </a:spcAft>
+              <a:buClrTx/>
+              <a:buSzTx/>
+              <a:buFontTx/>
+              <a:buChar char="•"/>
+              <a:tabLst/>
+            </a:pPr>
+            <a:r>
+              <a:rPr kumimoji="0" lang="en-US" altLang="en-US" sz="1100" b="0" i="0" u="none" strike="noStrike" cap="none" normalizeH="0" baseline="0" smtClean="0">
+                <a:ln>
+                  <a:noFill/>
+                </a:ln>
+                <a:solidFill>
+                  <a:srgbClr val="DC143C"/>
+                </a:solidFill>
+                <a:effectLst/>
+                <a:latin typeface="Menlo"/>
+              </a:rPr>
+              <a:t>column-count</a:t>
+            </a:r>
+            <a:endParaRPr kumimoji="0" lang="en-US" altLang="en-US" sz="1100" b="0" i="0" u="none" strike="noStrike" cap="none" normalizeH="0" baseline="0" smtClean="0">
+              <a:ln>
+                <a:noFill/>
+              </a:ln>
+              <a:solidFill>
+                <a:srgbClr val="333333"/>
+              </a:solidFill>
+              <a:effectLst/>
+              <a:latin typeface="Verdana" panose="020B0604030504040204" pitchFamily="34" charset="0"/>
+            </a:endParaRPr>
+          </a:p>
+          <a:p>
+            <a:pPr marL="0" marR="0" lvl="0" indent="0" algn="l" defTabSz="914400" rtl="0" eaLnBrk="0" fontAlgn="base" latinLnBrk="0" hangingPunct="0">
+              <a:lnSpc>
+                <a:spcPct val="100000"/>
+              </a:lnSpc>
+              <a:spcBef>
+                <a:spcPct val="0"/>
+              </a:spcBef>
+              <a:spcAft>
+                <a:spcPct val="0"/>
+              </a:spcAft>
+              <a:buClrTx/>
+              <a:buSzTx/>
+              <a:buFontTx/>
+              <a:buNone/>
+              <a:tabLst/>
+            </a:pPr>
+            <a:endParaRPr kumimoji="0" lang="en-US" altLang="en-US" sz="1800" b="0" i="0" u="none" strike="noStrike" cap="none" normalizeH="0" baseline="0" smtClean="0">
+              <a:ln>
+                <a:noFill/>
+              </a:ln>
+              <a:solidFill>
+                <a:schemeClr val="tx1"/>
+              </a:solidFill>
+              <a:effectLst/>
+              <a:latin typeface="Arial" panose="020B0604020202020204" pitchFamily="34" charset="0"/>
+            </a:endParaRPr>
+          </a:p>
+        </p:txBody>
+      </p:sp>
+    </p:spTree>
+    <p:extLst>
+      <p:ext uri="{BB962C8B-B14F-4D97-AF65-F5344CB8AC3E}">
+        <p14:creationId xmlns:p14="http://schemas.microsoft.com/office/powerpoint/2010/main" val="565106791"/>
+      </p:ext>
+    </p:extLst>
+  </p:cSld>
+  <p:clrMapOvr>
+    <a:masterClrMapping/>
+  </p:clrMapOvr>
+  <p:timing>
+    <p:tnLst>
+      <p:par>
+        <p:cTn id="1" dur="indefinite" restart="never" nodeType="tmRoot"/>
+      </p:par>
+    </p:tnLst>
+  </p:timing>
+</p:sld>
+</file>
+
+<file path=ppt/slides/slide4.xml><?xml version="1.0" encoding="utf-8"?>
+<p:sld xmlns:a="http://schemas.openxmlformats.org/drawingml/2006/main" xmlns:r="http://schemas.openxmlformats.org/officeDocument/2006/relationships" xmlns:p="http://schemas.openxmlformats.org/presentationml/2006/main">
+  <p:cSld>
+    <p:spTree>
+      <p:nvGrpSpPr>
+        <p:cNvPr id="1" name=""/>
+        <p:cNvGrpSpPr/>
+        <p:nvPr/>
+      </p:nvGrpSpPr>
+      <p:grpSpPr>
+        <a:xfrm>
+          <a:off x="0" y="0"/>
+          <a:ext cx="0" cy="0"/>
+          <a:chOff x="0" y="0"/>
+          <a:chExt cx="0" cy="0"/>
+        </a:xfrm>
+      </p:grpSpPr>
+      <p:sp>
+        <p:nvSpPr>
+          <p:cNvPr id="2" name="Title 1"/>
+          <p:cNvSpPr>
+            <a:spLocks noGrp="1"/>
+          </p:cNvSpPr>
+          <p:nvPr>
+            <p:ph type="title"/>
+          </p:nvPr>
+        </p:nvSpPr>
+        <p:spPr>
+          <a:xfrm>
+            <a:off x="457200" y="685800"/>
+            <a:ext cx="8610600" cy="1143000"/>
+          </a:xfrm>
+        </p:spPr>
+        <p:txBody>
+          <a:bodyPr>
+            <a:normAutofit fontScale="90000"/>
+          </a:bodyPr>
+          <a:lstStyle/>
+          <a:p>
+            <a:pPr algn="l"/>
+            <a:r>
+              <a:rPr lang="bg-BG" dirty="0" smtClean="0">
+                <a:solidFill>
+                  <a:schemeClr val="accent6"/>
+                </a:solidFill>
+              </a:rPr>
+              <a:t>Най-разпространени препроцесори</a:t>
+            </a:r>
+            <a:endParaRPr lang="bg-BG" dirty="0">
+              <a:solidFill>
+                <a:schemeClr val="accent6"/>
+              </a:solidFill>
+            </a:endParaRPr>
+          </a:p>
+        </p:txBody>
+      </p:sp>
+      <p:sp>
+        <p:nvSpPr>
+          <p:cNvPr id="6" name="Content Placeholder 5"/>
+          <p:cNvSpPr>
+            <a:spLocks noGrp="1"/>
+          </p:cNvSpPr>
+          <p:nvPr>
+            <p:ph idx="1"/>
+          </p:nvPr>
+        </p:nvSpPr>
+        <p:spPr/>
+        <p:txBody>
+          <a:bodyPr>
+            <a:normAutofit/>
+          </a:bodyPr>
+          <a:lstStyle/>
+          <a:p>
+            <a:pPr>
+              <a:buFont typeface="Wingdings" panose="05000000000000000000" pitchFamily="2" charset="2"/>
+              <a:buChar char="§"/>
+            </a:pPr>
+            <a:r>
+              <a:rPr lang="en-US" sz="3000" dirty="0" smtClean="0">
+                <a:solidFill>
+                  <a:schemeClr val="bg1"/>
+                </a:solidFill>
+                <a:latin typeface="+mj-lt"/>
+                <a:cs typeface="Courier New" panose="02070309020205020404" pitchFamily="49" charset="0"/>
+              </a:rPr>
+              <a:t>Sass</a:t>
+            </a:r>
+          </a:p>
+          <a:p>
+            <a:pPr>
+              <a:buFont typeface="Wingdings" panose="05000000000000000000" pitchFamily="2" charset="2"/>
+              <a:buChar char="§"/>
+            </a:pPr>
+            <a:r>
+              <a:rPr lang="en-US" sz="3000" dirty="0" smtClean="0">
+                <a:solidFill>
+                  <a:srgbClr val="FF0000"/>
+                </a:solidFill>
+                <a:latin typeface="+mj-lt"/>
+                <a:cs typeface="Courier New" panose="02070309020205020404" pitchFamily="49" charset="0"/>
+              </a:rPr>
+              <a:t>Less</a:t>
+            </a:r>
+          </a:p>
+          <a:p>
+            <a:pPr>
+              <a:buFont typeface="Wingdings" panose="05000000000000000000" pitchFamily="2" charset="2"/>
+              <a:buChar char="§"/>
+            </a:pPr>
+            <a:r>
+              <a:rPr lang="en-US" sz="3000" dirty="0" smtClean="0">
+                <a:solidFill>
+                  <a:schemeClr val="bg1"/>
+                </a:solidFill>
+                <a:latin typeface="+mj-lt"/>
+                <a:cs typeface="Courier New" panose="02070309020205020404" pitchFamily="49" charset="0"/>
+              </a:rPr>
+              <a:t>Stylus</a:t>
+            </a:r>
+          </a:p>
+          <a:p>
+            <a:pPr>
+              <a:buFont typeface="Wingdings" panose="05000000000000000000" pitchFamily="2" charset="2"/>
+              <a:buChar char="§"/>
+            </a:pPr>
+            <a:r>
+              <a:rPr lang="en-US" sz="3000" dirty="0" smtClean="0">
+                <a:solidFill>
+                  <a:schemeClr val="bg1"/>
+                </a:solidFill>
+                <a:latin typeface="+mj-lt"/>
+                <a:cs typeface="Courier New" panose="02070309020205020404" pitchFamily="49" charset="0"/>
+              </a:rPr>
+              <a:t>CSS-Crush</a:t>
+            </a:r>
+          </a:p>
+          <a:p>
+            <a:pPr>
+              <a:buFont typeface="Wingdings" panose="05000000000000000000" pitchFamily="2" charset="2"/>
+              <a:buChar char="§"/>
+            </a:pPr>
+            <a:r>
+              <a:rPr lang="en-US" sz="3000" dirty="0" smtClean="0">
+                <a:solidFill>
+                  <a:schemeClr val="bg1"/>
+                </a:solidFill>
+                <a:latin typeface="+mj-lt"/>
+                <a:cs typeface="Courier New" panose="02070309020205020404" pitchFamily="49" charset="0"/>
+              </a:rPr>
+              <a:t>Myth</a:t>
+            </a:r>
+          </a:p>
+          <a:p>
+            <a:pPr>
+              <a:buFont typeface="Wingdings" panose="05000000000000000000" pitchFamily="2" charset="2"/>
+              <a:buChar char="§"/>
+            </a:pPr>
+            <a:r>
+              <a:rPr lang="en-US" sz="3000" dirty="0" smtClean="0">
+                <a:solidFill>
+                  <a:schemeClr val="bg1"/>
+                </a:solidFill>
+                <a:latin typeface="+mj-lt"/>
+                <a:cs typeface="Courier New" panose="02070309020205020404" pitchFamily="49" charset="0"/>
+              </a:rPr>
+              <a:t>Rework</a:t>
+            </a:r>
+            <a:endParaRPr lang="en-US" sz="3000" dirty="0">
+              <a:solidFill>
+                <a:schemeClr val="bg1"/>
+              </a:solidFill>
+              <a:latin typeface="+mj-lt"/>
+              <a:cs typeface="Courier New" panose="02070309020205020404" pitchFamily="49" charset="0"/>
+            </a:endParaRPr>
+          </a:p>
+        </p:txBody>
+      </p:sp>
+      <p:sp>
+        <p:nvSpPr>
+          <p:cNvPr id="3" name="Rectangle 1"/>
+          <p:cNvSpPr>
+            <a:spLocks noChangeArrowheads="1"/>
+          </p:cNvSpPr>
+          <p:nvPr/>
+        </p:nvSpPr>
+        <p:spPr bwMode="auto">
+          <a:xfrm>
+            <a:off x="0" y="0"/>
+            <a:ext cx="9144000" cy="0"/>
+          </a:xfrm>
+          <a:prstGeom prst="rect">
+            <a:avLst/>
+          </a:prstGeom>
+          <a:solidFill>
+            <a:srgbClr val="F1F1F1"/>
+          </a:solidFill>
+          <a:ln>
+            <a:noFill/>
+          </a:ln>
+          <a:effectLst/>
+          <a:extLst>
+            <a:ext uri="{91240B29-F687-4F45-9708-019B960494DF}">
+              <a14:hiddenLine xmlns:a14="http://schemas.microsoft.com/office/drawing/2010/main" w="9525">
+                <a:solidFill>
+                  <a:schemeClr val="tx1"/>
+                </a:solidFill>
+                <a:miter lim="800000"/>
+                <a:headEnd/>
+                <a:tailEnd/>
+              </a14:hiddenLine>
+            </a:ext>
+            <a:ext uri="{AF507438-7753-43E0-B8FC-AC1667EBCBE1}">
+              <a14:hiddenEffects xmlns:a14="http://schemas.microsoft.com/office/drawing/2010/main">
+                <a:effectLst>
+                  <a:outerShdw dist="35921" dir="2700000" algn="ctr" rotWithShape="0">
+                    <a:schemeClr val="bg2"/>
+                  </a:outerShdw>
+                </a:effectLst>
+              </a14:hiddenEffects>
+            </a:ext>
+          </a:extLst>
+        </p:spPr>
+        <p:txBody>
+          <a:bodyPr vert="horz" wrap="none" lIns="91440" tIns="0" rIns="91440" bIns="88872" numCol="1" anchor="ctr" anchorCtr="0" compatLnSpc="1">
+            <a:prstTxWarp prst="textNoShape">
+              <a:avLst/>
+            </a:prstTxWarp>
+            <a:spAutoFit/>
+          </a:bodyPr>
+          <a:lstStyle/>
+          <a:p>
+            <a:pPr marL="0" marR="0" lvl="0" indent="0" algn="l" defTabSz="914400" rtl="0" eaLnBrk="0" fontAlgn="base" latinLnBrk="0" hangingPunct="0">
+              <a:lnSpc>
+                <a:spcPct val="100000"/>
+              </a:lnSpc>
+              <a:spcBef>
+                <a:spcPct val="0"/>
+              </a:spcBef>
+              <a:spcAft>
+                <a:spcPct val="0"/>
+              </a:spcAft>
+              <a:buClrTx/>
+              <a:buSzTx/>
+              <a:buFontTx/>
+              <a:buNone/>
+              <a:tabLst/>
+            </a:pPr>
+            <a:endParaRPr kumimoji="0" lang="en-US" altLang="en-US" sz="1800" b="0" i="0" u="none" strike="noStrike" cap="none" normalizeH="0" baseline="0" smtClean="0">
+              <a:ln>
+                <a:noFill/>
+              </a:ln>
+              <a:solidFill>
+                <a:schemeClr val="tx1"/>
+              </a:solidFill>
+              <a:effectLst/>
+              <a:latin typeface="Arial" panose="020B0604020202020204" pitchFamily="34" charset="0"/>
+            </a:endParaRPr>
+          </a:p>
+          <a:p>
+            <a:pPr marL="0" marR="0" lvl="0" indent="0" algn="l" defTabSz="914400" rtl="0" eaLnBrk="0" fontAlgn="base" latinLnBrk="0" hangingPunct="0">
+              <a:lnSpc>
+                <a:spcPct val="100000"/>
+              </a:lnSpc>
+              <a:spcBef>
+                <a:spcPct val="0"/>
+              </a:spcBef>
+              <a:spcAft>
+                <a:spcPct val="0"/>
+              </a:spcAft>
+              <a:buClrTx/>
+              <a:buSzTx/>
+              <a:buFontTx/>
+              <a:buChar char="•"/>
+              <a:tabLst/>
+            </a:pPr>
+            <a:r>
+              <a:rPr kumimoji="0" lang="en-US" altLang="en-US" sz="1100" b="0" i="0" u="none" strike="noStrike" cap="none" normalizeH="0" baseline="0" smtClean="0">
+                <a:ln>
+                  <a:noFill/>
+                </a:ln>
+                <a:solidFill>
+                  <a:srgbClr val="DC143C"/>
+                </a:solidFill>
+                <a:effectLst/>
+                <a:latin typeface="Menlo"/>
+              </a:rPr>
+              <a:t>column-count</a:t>
+            </a:r>
+            <a:endParaRPr kumimoji="0" lang="en-US" altLang="en-US" sz="1100" b="0" i="0" u="none" strike="noStrike" cap="none" normalizeH="0" baseline="0" smtClean="0">
+              <a:ln>
+                <a:noFill/>
+              </a:ln>
+              <a:solidFill>
+                <a:srgbClr val="333333"/>
+              </a:solidFill>
+              <a:effectLst/>
+              <a:latin typeface="Verdana" panose="020B0604030504040204" pitchFamily="34" charset="0"/>
+            </a:endParaRPr>
+          </a:p>
+          <a:p>
+            <a:pPr marL="0" marR="0" lvl="0" indent="0" algn="l" defTabSz="914400" rtl="0" eaLnBrk="0" fontAlgn="base" latinLnBrk="0" hangingPunct="0">
+              <a:lnSpc>
+                <a:spcPct val="100000"/>
+              </a:lnSpc>
+              <a:spcBef>
+                <a:spcPct val="0"/>
+              </a:spcBef>
+              <a:spcAft>
+                <a:spcPct val="0"/>
+              </a:spcAft>
+              <a:buClrTx/>
+              <a:buSzTx/>
+              <a:buFontTx/>
+              <a:buNone/>
+              <a:tabLst/>
+            </a:pPr>
+            <a:endParaRPr kumimoji="0" lang="en-US" altLang="en-US" sz="1800" b="0" i="0" u="none" strike="noStrike" cap="none" normalizeH="0" baseline="0" smtClean="0">
+              <a:ln>
+                <a:noFill/>
+              </a:ln>
+              <a:solidFill>
+                <a:schemeClr val="tx1"/>
+              </a:solidFill>
+              <a:effectLst/>
+              <a:latin typeface="Arial" panose="020B0604020202020204" pitchFamily="34" charset="0"/>
+            </a:endParaRPr>
+          </a:p>
+        </p:txBody>
+      </p:sp>
+      <p:sp>
+        <p:nvSpPr>
+          <p:cNvPr id="5" name="Rectangle 3"/>
+          <p:cNvSpPr>
+            <a:spLocks noChangeArrowheads="1"/>
+          </p:cNvSpPr>
+          <p:nvPr/>
+        </p:nvSpPr>
+        <p:spPr bwMode="auto">
+          <a:xfrm>
+            <a:off x="152400" y="152400"/>
+            <a:ext cx="9144000" cy="0"/>
+          </a:xfrm>
+          <a:prstGeom prst="rect">
+            <a:avLst/>
+          </a:prstGeom>
+          <a:solidFill>
+            <a:srgbClr val="F1F1F1"/>
+          </a:solidFill>
+          <a:ln>
+            <a:noFill/>
+          </a:ln>
+          <a:effectLst/>
+          <a:extLst>
+            <a:ext uri="{91240B29-F687-4F45-9708-019B960494DF}">
+              <a14:hiddenLine xmlns:a14="http://schemas.microsoft.com/office/drawing/2010/main" w="9525">
+                <a:solidFill>
+                  <a:schemeClr val="tx1"/>
+                </a:solidFill>
+                <a:miter lim="800000"/>
+                <a:headEnd/>
+                <a:tailEnd/>
+              </a14:hiddenLine>
+            </a:ext>
+            <a:ext uri="{AF507438-7753-43E0-B8FC-AC1667EBCBE1}">
+              <a14:hiddenEffects xmlns:a14="http://schemas.microsoft.com/office/drawing/2010/main">
+                <a:effectLst>
+                  <a:outerShdw dist="35921" dir="2700000" algn="ctr" rotWithShape="0">
+                    <a:schemeClr val="bg2"/>
+                  </a:outerShdw>
+                </a:effectLst>
+              </a14:hiddenEffects>
+            </a:ext>
+          </a:extLst>
+        </p:spPr>
+        <p:txBody>
+          <a:bodyPr vert="horz" wrap="none" lIns="91440" tIns="0" rIns="91440" bIns="88872" numCol="1" anchor="ctr" anchorCtr="0" compatLnSpc="1">
+            <a:prstTxWarp prst="textNoShape">
+              <a:avLst/>
+            </a:prstTxWarp>
+            <a:spAutoFit/>
+          </a:bodyPr>
+          <a:lstStyle/>
+          <a:p>
+            <a:pPr marL="0" marR="0" lvl="0" indent="0" algn="l" defTabSz="914400" rtl="0" eaLnBrk="0" fontAlgn="base" latinLnBrk="0" hangingPunct="0">
+              <a:lnSpc>
+                <a:spcPct val="100000"/>
+              </a:lnSpc>
+              <a:spcBef>
+                <a:spcPct val="0"/>
+              </a:spcBef>
+              <a:spcAft>
+                <a:spcPct val="0"/>
+              </a:spcAft>
+              <a:buClrTx/>
+              <a:buSzTx/>
+              <a:buFontTx/>
+              <a:buNone/>
+              <a:tabLst/>
+            </a:pPr>
+            <a:endParaRPr kumimoji="0" lang="en-US" altLang="en-US" sz="1800" b="0" i="0" u="none" strike="noStrike" cap="none" normalizeH="0" baseline="0" smtClean="0">
+              <a:ln>
+                <a:noFill/>
+              </a:ln>
+              <a:solidFill>
+                <a:schemeClr val="tx1"/>
+              </a:solidFill>
+              <a:effectLst/>
+              <a:latin typeface="Arial" panose="020B0604020202020204" pitchFamily="34" charset="0"/>
+            </a:endParaRPr>
+          </a:p>
+          <a:p>
+            <a:pPr marL="0" marR="0" lvl="0" indent="0" algn="l" defTabSz="914400" rtl="0" eaLnBrk="0" fontAlgn="base" latinLnBrk="0" hangingPunct="0">
+              <a:lnSpc>
+                <a:spcPct val="100000"/>
+              </a:lnSpc>
+              <a:spcBef>
+                <a:spcPct val="0"/>
+              </a:spcBef>
+              <a:spcAft>
+                <a:spcPct val="0"/>
+              </a:spcAft>
+              <a:buClrTx/>
+              <a:buSzTx/>
+              <a:buFontTx/>
+              <a:buChar char="•"/>
+              <a:tabLst/>
+            </a:pPr>
+            <a:r>
+              <a:rPr kumimoji="0" lang="en-US" altLang="en-US" sz="1100" b="0" i="0" u="none" strike="noStrike" cap="none" normalizeH="0" baseline="0" smtClean="0">
+                <a:ln>
+                  <a:noFill/>
+                </a:ln>
+                <a:solidFill>
+                  <a:srgbClr val="DC143C"/>
+                </a:solidFill>
+                <a:effectLst/>
+                <a:latin typeface="Menlo"/>
+              </a:rPr>
+              <a:t>column-count</a:t>
+            </a:r>
+            <a:endParaRPr kumimoji="0" lang="en-US" altLang="en-US" sz="1100" b="0" i="0" u="none" strike="noStrike" cap="none" normalizeH="0" baseline="0" smtClean="0">
+              <a:ln>
+                <a:noFill/>
+              </a:ln>
+              <a:solidFill>
+                <a:srgbClr val="333333"/>
+              </a:solidFill>
+              <a:effectLst/>
+              <a:latin typeface="Verdana" panose="020B0604030504040204" pitchFamily="34" charset="0"/>
+            </a:endParaRPr>
+          </a:p>
+          <a:p>
+            <a:pPr marL="0" marR="0" lvl="0" indent="0" algn="l" defTabSz="914400" rtl="0" eaLnBrk="0" fontAlgn="base" latinLnBrk="0" hangingPunct="0">
+              <a:lnSpc>
+                <a:spcPct val="100000"/>
+              </a:lnSpc>
+              <a:spcBef>
+                <a:spcPct val="0"/>
+              </a:spcBef>
+              <a:spcAft>
+                <a:spcPct val="0"/>
+              </a:spcAft>
+              <a:buClrTx/>
+              <a:buSzTx/>
+              <a:buFontTx/>
+              <a:buNone/>
+              <a:tabLst/>
+            </a:pPr>
+            <a:endParaRPr kumimoji="0" lang="en-US" altLang="en-US" sz="1800" b="0" i="0" u="none" strike="noStrike" cap="none" normalizeH="0" baseline="0" smtClean="0">
+              <a:ln>
+                <a:noFill/>
+              </a:ln>
+              <a:solidFill>
+                <a:schemeClr val="tx1"/>
+              </a:solidFill>
+              <a:effectLst/>
+              <a:latin typeface="Arial" panose="020B0604020202020204" pitchFamily="34" charset="0"/>
+            </a:endParaRPr>
+          </a:p>
+        </p:txBody>
+      </p:sp>
+    </p:spTree>
+    <p:extLst>
+      <p:ext uri="{BB962C8B-B14F-4D97-AF65-F5344CB8AC3E}">
+        <p14:creationId xmlns:p14="http://schemas.microsoft.com/office/powerpoint/2010/main" val="1092442500"/>
+      </p:ext>
+    </p:extLst>
+  </p:cSld>
+  <p:clrMapOvr>
+    <a:masterClrMapping/>
+  </p:clrMapOvr>
+  <p:timing>
+    <p:tnLst>
+      <p:par>
+        <p:cTn id="1" dur="indefinite" restart="never" nodeType="tmRoot"/>
+      </p:par>
+    </p:tnLst>
+  </p:timing>
+</p:sld>
+</file>
+
+<file path=ppt/slides/slide5.xml><?xml version="1.0" encoding="utf-8"?>
+<p:sld xmlns:a="http://schemas.openxmlformats.org/drawingml/2006/main" xmlns:r="http://schemas.openxmlformats.org/officeDocument/2006/relationships" xmlns:p="http://schemas.openxmlformats.org/presentationml/2006/main">
+  <p:cSld>
+    <p:spTree>
+      <p:nvGrpSpPr>
+        <p:cNvPr id="1" name=""/>
+        <p:cNvGrpSpPr/>
+        <p:nvPr/>
+      </p:nvGrpSpPr>
+      <p:grpSpPr>
+        <a:xfrm>
+          <a:off x="0" y="0"/>
+          <a:ext cx="0" cy="0"/>
+          <a:chOff x="0" y="0"/>
+          <a:chExt cx="0" cy="0"/>
+        </a:xfrm>
+      </p:grpSpPr>
+      <p:sp>
+        <p:nvSpPr>
+          <p:cNvPr id="2" name="Title 1"/>
+          <p:cNvSpPr>
+            <a:spLocks noGrp="1"/>
+          </p:cNvSpPr>
+          <p:nvPr>
+            <p:ph type="title"/>
+          </p:nvPr>
+        </p:nvSpPr>
+        <p:spPr>
+          <a:xfrm>
+            <a:off x="457200" y="685800"/>
+            <a:ext cx="8610600" cy="1143000"/>
+          </a:xfrm>
+        </p:spPr>
+        <p:txBody>
+          <a:bodyPr>
+            <a:normAutofit/>
+          </a:bodyPr>
+          <a:lstStyle/>
+          <a:p>
+            <a:pPr algn="l"/>
+            <a:r>
+              <a:rPr lang="en-US" dirty="0" smtClean="0">
+                <a:solidFill>
+                  <a:schemeClr val="accent6"/>
+                </a:solidFill>
+              </a:rPr>
+              <a:t>LESS - </a:t>
+            </a:r>
+            <a:r>
+              <a:rPr lang="bg-BG" dirty="0" smtClean="0">
+                <a:solidFill>
+                  <a:schemeClr val="accent6"/>
+                </a:solidFill>
+              </a:rPr>
+              <a:t>компилация</a:t>
+            </a:r>
+            <a:endParaRPr lang="bg-BG" dirty="0">
+              <a:solidFill>
+                <a:schemeClr val="accent6"/>
+              </a:solidFill>
+            </a:endParaRPr>
+          </a:p>
+        </p:txBody>
+      </p:sp>
+      <p:sp>
+        <p:nvSpPr>
+          <p:cNvPr id="6" name="Content Placeholder 5"/>
+          <p:cNvSpPr>
+            <a:spLocks noGrp="1"/>
+          </p:cNvSpPr>
+          <p:nvPr>
+            <p:ph idx="1"/>
+          </p:nvPr>
+        </p:nvSpPr>
+        <p:spPr/>
+        <p:txBody>
+          <a:bodyPr>
+            <a:normAutofit/>
+          </a:bodyPr>
+          <a:lstStyle/>
+          <a:p>
+            <a:pPr marL="0" indent="0">
+              <a:buNone/>
+            </a:pPr>
+            <a:r>
+              <a:rPr lang="en-US" sz="2800" dirty="0" smtClean="0">
+                <a:solidFill>
+                  <a:schemeClr val="bg1"/>
+                </a:solidFill>
+                <a:latin typeface="+mj-lt"/>
+                <a:cs typeface="Courier New" panose="02070309020205020404" pitchFamily="49" charset="0"/>
+              </a:rPr>
+              <a:t>Graphic User Interface – </a:t>
+            </a:r>
+            <a:r>
+              <a:rPr lang="en-US" sz="2800" dirty="0" err="1" smtClean="0">
+                <a:solidFill>
+                  <a:schemeClr val="bg1"/>
+                </a:solidFill>
+                <a:latin typeface="+mj-lt"/>
+                <a:cs typeface="Courier New" panose="02070309020205020404" pitchFamily="49" charset="0"/>
+              </a:rPr>
+              <a:t>WinLess</a:t>
+            </a:r>
+            <a:r>
+              <a:rPr lang="en-US" sz="2800" dirty="0">
+                <a:solidFill>
+                  <a:schemeClr val="bg1"/>
+                </a:solidFill>
+                <a:latin typeface="+mj-lt"/>
+                <a:cs typeface="Courier New" panose="02070309020205020404" pitchFamily="49" charset="0"/>
+              </a:rPr>
+              <a:t> </a:t>
+            </a:r>
+            <a:r>
+              <a:rPr lang="en-US" sz="2800" dirty="0" smtClean="0">
+                <a:solidFill>
+                  <a:schemeClr val="bg1"/>
+                </a:solidFill>
+                <a:latin typeface="+mj-lt"/>
+                <a:cs typeface="Courier New" panose="02070309020205020404" pitchFamily="49" charset="0"/>
+                <a:hlinkClick r:id="rId2"/>
+              </a:rPr>
+              <a:t>http</a:t>
+            </a:r>
+            <a:r>
+              <a:rPr lang="en-US" sz="2800" dirty="0">
+                <a:solidFill>
+                  <a:schemeClr val="bg1"/>
+                </a:solidFill>
+                <a:latin typeface="+mj-lt"/>
+                <a:cs typeface="Courier New" panose="02070309020205020404" pitchFamily="49" charset="0"/>
+                <a:hlinkClick r:id="rId2"/>
+              </a:rPr>
+              <a:t>://winless.org</a:t>
+            </a:r>
+            <a:r>
+              <a:rPr lang="en-US" sz="2800" dirty="0" smtClean="0">
+                <a:solidFill>
+                  <a:schemeClr val="bg1"/>
+                </a:solidFill>
+                <a:latin typeface="+mj-lt"/>
+                <a:cs typeface="Courier New" panose="02070309020205020404" pitchFamily="49" charset="0"/>
+                <a:hlinkClick r:id="rId2"/>
+              </a:rPr>
+              <a:t>/</a:t>
+            </a:r>
+            <a:endParaRPr lang="en-US" sz="2800" dirty="0" smtClean="0">
+              <a:solidFill>
+                <a:schemeClr val="bg1"/>
+              </a:solidFill>
+              <a:latin typeface="+mj-lt"/>
+              <a:cs typeface="Courier New" panose="02070309020205020404" pitchFamily="49" charset="0"/>
+            </a:endParaRPr>
+          </a:p>
+        </p:txBody>
+      </p:sp>
+      <p:sp>
+        <p:nvSpPr>
+          <p:cNvPr id="3" name="Rectangle 1"/>
+          <p:cNvSpPr>
+            <a:spLocks noChangeArrowheads="1"/>
+          </p:cNvSpPr>
+          <p:nvPr/>
+        </p:nvSpPr>
+        <p:spPr bwMode="auto">
+          <a:xfrm>
+            <a:off x="0" y="0"/>
+            <a:ext cx="9144000" cy="0"/>
+          </a:xfrm>
+          <a:prstGeom prst="rect">
+            <a:avLst/>
+          </a:prstGeom>
+          <a:solidFill>
+            <a:srgbClr val="F1F1F1"/>
+          </a:solidFill>
+          <a:ln>
+            <a:noFill/>
+          </a:ln>
+          <a:effectLst/>
+          <a:extLst>
+            <a:ext uri="{91240B29-F687-4F45-9708-019B960494DF}">
+              <a14:hiddenLine xmlns:a14="http://schemas.microsoft.com/office/drawing/2010/main" w="9525">
+                <a:solidFill>
+                  <a:schemeClr val="tx1"/>
+                </a:solidFill>
+                <a:miter lim="800000"/>
+                <a:headEnd/>
+                <a:tailEnd/>
+              </a14:hiddenLine>
+            </a:ext>
+            <a:ext uri="{AF507438-7753-43E0-B8FC-AC1667EBCBE1}">
+              <a14:hiddenEffects xmlns:a14="http://schemas.microsoft.com/office/drawing/2010/main">
+                <a:effectLst>
+                  <a:outerShdw dist="35921" dir="2700000" algn="ctr" rotWithShape="0">
+                    <a:schemeClr val="bg2"/>
+                  </a:outerShdw>
+                </a:effectLst>
+              </a14:hiddenEffects>
+            </a:ext>
+          </a:extLst>
+        </p:spPr>
+        <p:txBody>
+          <a:bodyPr vert="horz" wrap="none" lIns="91440" tIns="0" rIns="91440" bIns="88872" numCol="1" anchor="ctr" anchorCtr="0" compatLnSpc="1">
+            <a:prstTxWarp prst="textNoShape">
+              <a:avLst/>
+            </a:prstTxWarp>
+            <a:spAutoFit/>
+          </a:bodyPr>
+          <a:lstStyle/>
+          <a:p>
+            <a:pPr marL="0" marR="0" lvl="0" indent="0" algn="l" defTabSz="914400" rtl="0" eaLnBrk="0" fontAlgn="base" latinLnBrk="0" hangingPunct="0">
+              <a:lnSpc>
+                <a:spcPct val="100000"/>
+              </a:lnSpc>
+              <a:spcBef>
+                <a:spcPct val="0"/>
+              </a:spcBef>
+              <a:spcAft>
+                <a:spcPct val="0"/>
+              </a:spcAft>
+              <a:buClrTx/>
+              <a:buSzTx/>
+              <a:buFontTx/>
+              <a:buNone/>
+              <a:tabLst/>
+            </a:pPr>
+            <a:endParaRPr kumimoji="0" lang="en-US" altLang="en-US" sz="1800" b="0" i="0" u="none" strike="noStrike" cap="none" normalizeH="0" baseline="0" smtClean="0">
+              <a:ln>
+                <a:noFill/>
+              </a:ln>
+              <a:solidFill>
+                <a:schemeClr val="tx1"/>
+              </a:solidFill>
+              <a:effectLst/>
+              <a:latin typeface="Arial" panose="020B0604020202020204" pitchFamily="34" charset="0"/>
+            </a:endParaRPr>
+          </a:p>
+          <a:p>
+            <a:pPr marL="0" marR="0" lvl="0" indent="0" algn="l" defTabSz="914400" rtl="0" eaLnBrk="0" fontAlgn="base" latinLnBrk="0" hangingPunct="0">
+              <a:lnSpc>
+                <a:spcPct val="100000"/>
+              </a:lnSpc>
+              <a:spcBef>
+                <a:spcPct val="0"/>
+              </a:spcBef>
+              <a:spcAft>
+                <a:spcPct val="0"/>
+              </a:spcAft>
+              <a:buClrTx/>
+              <a:buSzTx/>
+              <a:buFontTx/>
+              <a:buChar char="•"/>
+              <a:tabLst/>
+            </a:pPr>
+            <a:r>
+              <a:rPr kumimoji="0" lang="en-US" altLang="en-US" sz="1100" b="0" i="0" u="none" strike="noStrike" cap="none" normalizeH="0" baseline="0" smtClean="0">
+                <a:ln>
+                  <a:noFill/>
+                </a:ln>
+                <a:solidFill>
+                  <a:srgbClr val="DC143C"/>
+                </a:solidFill>
+                <a:effectLst/>
+                <a:latin typeface="Menlo"/>
+              </a:rPr>
+              <a:t>column-count</a:t>
+            </a:r>
+            <a:endParaRPr kumimoji="0" lang="en-US" altLang="en-US" sz="1100" b="0" i="0" u="none" strike="noStrike" cap="none" normalizeH="0" baseline="0" smtClean="0">
+              <a:ln>
+                <a:noFill/>
+              </a:ln>
+              <a:solidFill>
+                <a:srgbClr val="333333"/>
+              </a:solidFill>
+              <a:effectLst/>
+              <a:latin typeface="Verdana" panose="020B0604030504040204" pitchFamily="34" charset="0"/>
+            </a:endParaRPr>
+          </a:p>
+          <a:p>
+            <a:pPr marL="0" marR="0" lvl="0" indent="0" algn="l" defTabSz="914400" rtl="0" eaLnBrk="0" fontAlgn="base" latinLnBrk="0" hangingPunct="0">
+              <a:lnSpc>
+                <a:spcPct val="100000"/>
+              </a:lnSpc>
+              <a:spcBef>
+                <a:spcPct val="0"/>
+              </a:spcBef>
+              <a:spcAft>
+                <a:spcPct val="0"/>
+              </a:spcAft>
+              <a:buClrTx/>
+              <a:buSzTx/>
+              <a:buFontTx/>
+              <a:buNone/>
+              <a:tabLst/>
+            </a:pPr>
+            <a:endParaRPr kumimoji="0" lang="en-US" altLang="en-US" sz="1800" b="0" i="0" u="none" strike="noStrike" cap="none" normalizeH="0" baseline="0" smtClean="0">
+              <a:ln>
+                <a:noFill/>
+              </a:ln>
+              <a:solidFill>
+                <a:schemeClr val="tx1"/>
+              </a:solidFill>
+              <a:effectLst/>
+              <a:latin typeface="Arial" panose="020B0604020202020204" pitchFamily="34" charset="0"/>
+            </a:endParaRPr>
+          </a:p>
+        </p:txBody>
+      </p:sp>
+      <p:sp>
+        <p:nvSpPr>
+          <p:cNvPr id="5" name="Rectangle 3"/>
+          <p:cNvSpPr>
+            <a:spLocks noChangeArrowheads="1"/>
+          </p:cNvSpPr>
+          <p:nvPr/>
+        </p:nvSpPr>
+        <p:spPr bwMode="auto">
+          <a:xfrm>
+            <a:off x="152400" y="152400"/>
+            <a:ext cx="9144000" cy="0"/>
+          </a:xfrm>
+          <a:prstGeom prst="rect">
+            <a:avLst/>
+          </a:prstGeom>
+          <a:solidFill>
+            <a:srgbClr val="F1F1F1"/>
+          </a:solidFill>
+          <a:ln>
+            <a:noFill/>
+          </a:ln>
+          <a:effectLst/>
+          <a:extLst>
+            <a:ext uri="{91240B29-F687-4F45-9708-019B960494DF}">
+              <a14:hiddenLine xmlns:a14="http://schemas.microsoft.com/office/drawing/2010/main" w="9525">
+                <a:solidFill>
+                  <a:schemeClr val="tx1"/>
+                </a:solidFill>
+                <a:miter lim="800000"/>
+                <a:headEnd/>
+                <a:tailEnd/>
+              </a14:hiddenLine>
+            </a:ext>
+            <a:ext uri="{AF507438-7753-43E0-B8FC-AC1667EBCBE1}">
+              <a14:hiddenEffects xmlns:a14="http://schemas.microsoft.com/office/drawing/2010/main">
+                <a:effectLst>
+                  <a:outerShdw dist="35921" dir="2700000" algn="ctr" rotWithShape="0">
+                    <a:schemeClr val="bg2"/>
+                  </a:outerShdw>
+                </a:effectLst>
+              </a14:hiddenEffects>
+            </a:ext>
+          </a:extLst>
+        </p:spPr>
+        <p:txBody>
+          <a:bodyPr vert="horz" wrap="none" lIns="91440" tIns="0" rIns="91440" bIns="88872" numCol="1" anchor="ctr" anchorCtr="0" compatLnSpc="1">
+            <a:prstTxWarp prst="textNoShape">
+              <a:avLst/>
+            </a:prstTxWarp>
+            <a:spAutoFit/>
+          </a:bodyPr>
+          <a:lstStyle/>
+          <a:p>
+            <a:pPr marL="0" marR="0" lvl="0" indent="0" algn="l" defTabSz="914400" rtl="0" eaLnBrk="0" fontAlgn="base" latinLnBrk="0" hangingPunct="0">
+              <a:lnSpc>
+                <a:spcPct val="100000"/>
+              </a:lnSpc>
+              <a:spcBef>
+                <a:spcPct val="0"/>
+              </a:spcBef>
+              <a:spcAft>
+                <a:spcPct val="0"/>
+              </a:spcAft>
+              <a:buClrTx/>
+              <a:buSzTx/>
+              <a:buFontTx/>
+              <a:buNone/>
+              <a:tabLst/>
+            </a:pPr>
+            <a:endParaRPr kumimoji="0" lang="en-US" altLang="en-US" sz="1800" b="0" i="0" u="none" strike="noStrike" cap="none" normalizeH="0" baseline="0" smtClean="0">
+              <a:ln>
+                <a:noFill/>
+              </a:ln>
+              <a:solidFill>
+                <a:schemeClr val="tx1"/>
+              </a:solidFill>
+              <a:effectLst/>
+              <a:latin typeface="Arial" panose="020B0604020202020204" pitchFamily="34" charset="0"/>
+            </a:endParaRPr>
+          </a:p>
+          <a:p>
+            <a:pPr marL="0" marR="0" lvl="0" indent="0" algn="l" defTabSz="914400" rtl="0" eaLnBrk="0" fontAlgn="base" latinLnBrk="0" hangingPunct="0">
+              <a:lnSpc>
+                <a:spcPct val="100000"/>
+              </a:lnSpc>
+              <a:spcBef>
+                <a:spcPct val="0"/>
+              </a:spcBef>
+              <a:spcAft>
+                <a:spcPct val="0"/>
+              </a:spcAft>
+              <a:buClrTx/>
+              <a:buSzTx/>
+              <a:buFontTx/>
+              <a:buChar char="•"/>
+              <a:tabLst/>
+            </a:pPr>
+            <a:r>
+              <a:rPr kumimoji="0" lang="en-US" altLang="en-US" sz="1100" b="0" i="0" u="none" strike="noStrike" cap="none" normalizeH="0" baseline="0" smtClean="0">
+                <a:ln>
+                  <a:noFill/>
+                </a:ln>
+                <a:solidFill>
+                  <a:srgbClr val="DC143C"/>
+                </a:solidFill>
+                <a:effectLst/>
+                <a:latin typeface="Menlo"/>
+              </a:rPr>
+              <a:t>column-count</a:t>
+            </a:r>
+            <a:endParaRPr kumimoji="0" lang="en-US" altLang="en-US" sz="1100" b="0" i="0" u="none" strike="noStrike" cap="none" normalizeH="0" baseline="0" smtClean="0">
+              <a:ln>
+                <a:noFill/>
+              </a:ln>
+              <a:solidFill>
+                <a:srgbClr val="333333"/>
+              </a:solidFill>
+              <a:effectLst/>
+              <a:latin typeface="Verdana" panose="020B0604030504040204" pitchFamily="34" charset="0"/>
+            </a:endParaRPr>
+          </a:p>
+          <a:p>
+            <a:pPr marL="0" marR="0" lvl="0" indent="0" algn="l" defTabSz="914400" rtl="0" eaLnBrk="0" fontAlgn="base" latinLnBrk="0" hangingPunct="0">
+              <a:lnSpc>
+                <a:spcPct val="100000"/>
+              </a:lnSpc>
+              <a:spcBef>
+                <a:spcPct val="0"/>
+              </a:spcBef>
+              <a:spcAft>
+                <a:spcPct val="0"/>
+              </a:spcAft>
+              <a:buClrTx/>
+              <a:buSzTx/>
+              <a:buFontTx/>
+              <a:buNone/>
+              <a:tabLst/>
+            </a:pPr>
+            <a:endParaRPr kumimoji="0" lang="en-US" altLang="en-US" sz="1800" b="0" i="0" u="none" strike="noStrike" cap="none" normalizeH="0" baseline="0" smtClean="0">
+              <a:ln>
+                <a:noFill/>
+              </a:ln>
+              <a:solidFill>
+                <a:schemeClr val="tx1"/>
+              </a:solidFill>
+              <a:effectLst/>
+              <a:latin typeface="Arial" panose="020B0604020202020204" pitchFamily="34" charset="0"/>
+            </a:endParaRPr>
+          </a:p>
+        </p:txBody>
+      </p:sp>
+      <p:pic>
+        <p:nvPicPr>
+          <p:cNvPr id="4" name="Picture 3"/>
+          <p:cNvPicPr>
+            <a:picLocks noChangeAspect="1"/>
+          </p:cNvPicPr>
+          <p:nvPr/>
+        </p:nvPicPr>
+        <p:blipFill>
+          <a:blip r:embed="rId3">
+            <a:extLst>
+              <a:ext uri="{28A0092B-C50C-407E-A947-70E740481C1C}">
+                <a14:useLocalDpi xmlns:a14="http://schemas.microsoft.com/office/drawing/2010/main" val="0"/>
+              </a:ext>
+            </a:extLst>
+          </a:blip>
+          <a:stretch>
+            <a:fillRect/>
+          </a:stretch>
+        </p:blipFill>
+        <p:spPr>
+          <a:xfrm>
+            <a:off x="457200" y="2209800"/>
+            <a:ext cx="5811520" cy="4267200"/>
+          </a:xfrm>
+          <a:prstGeom prst="rect">
+            <a:avLst/>
+          </a:prstGeom>
+        </p:spPr>
+      </p:pic>
+    </p:spTree>
+    <p:extLst>
+      <p:ext uri="{BB962C8B-B14F-4D97-AF65-F5344CB8AC3E}">
+        <p14:creationId xmlns:p14="http://schemas.microsoft.com/office/powerpoint/2010/main" val="2165279093"/>
+      </p:ext>
+    </p:extLst>
+  </p:cSld>
+  <p:clrMapOvr>
+    <a:masterClrMapping/>
+  </p:clrMapOvr>
+  <p:timing>
+    <p:tnLst>
+      <p:par>
+        <p:cTn id="1" dur="indefinite" restart="never" nodeType="tmRoot"/>
+      </p:par>
+    </p:tnLst>
+  </p:timing>
+</p:sld>
+</file>
+
+<file path=ppt/slides/slide6.xml><?xml version="1.0" encoding="utf-8"?>
+<p:sld xmlns:a="http://schemas.openxmlformats.org/drawingml/2006/main" xmlns:r="http://schemas.openxmlformats.org/officeDocument/2006/relationships" xmlns:p="http://schemas.openxmlformats.org/presentationml/2006/main">
+  <p:cSld>
+    <p:spTree>
+      <p:nvGrpSpPr>
+        <p:cNvPr id="1" name=""/>
+        <p:cNvGrpSpPr/>
+        <p:nvPr/>
+      </p:nvGrpSpPr>
+      <p:grpSpPr>
+        <a:xfrm>
+          <a:off x="0" y="0"/>
+          <a:ext cx="0" cy="0"/>
+          <a:chOff x="0" y="0"/>
+          <a:chExt cx="0" cy="0"/>
+        </a:xfrm>
+      </p:grpSpPr>
+      <p:sp>
+        <p:nvSpPr>
+          <p:cNvPr id="2" name="Title 1"/>
+          <p:cNvSpPr>
+            <a:spLocks noGrp="1"/>
+          </p:cNvSpPr>
+          <p:nvPr>
+            <p:ph type="title"/>
+          </p:nvPr>
+        </p:nvSpPr>
+        <p:spPr>
+          <a:xfrm>
             <a:off x="838200" y="685800"/>
             <a:ext cx="8229600" cy="1143000"/>
           </a:xfrm>
@@ -4150,7 +5893,7 @@
 </p:sld>
 </file>
 
-<file path=ppt/slides/slide4.xml><?xml version="1.0" encoding="utf-8"?>
+<file path=ppt/slides/slide7.xml><?xml version="1.0" encoding="utf-8"?>
 <p:sld xmlns:a="http://schemas.openxmlformats.org/drawingml/2006/main" xmlns:r="http://schemas.openxmlformats.org/officeDocument/2006/relationships" xmlns:p="http://schemas.openxmlformats.org/presentationml/2006/main">
   <p:cSld>
     <p:spTree>

--- a/06-LESS.pptx
+++ b/06-LESS.pptx
@@ -5,7 +5,7 @@
     <p:sldMasterId id="2147483648" r:id="rId1"/>
   </p:sldMasterIdLst>
   <p:notesMasterIdLst>
-    <p:notesMasterId r:id="rId9"/>
+    <p:notesMasterId r:id="rId10"/>
   </p:notesMasterIdLst>
   <p:sldIdLst>
     <p:sldId id="256" r:id="rId2"/>
@@ -13,8 +13,9 @@
     <p:sldId id="288" r:id="rId4"/>
     <p:sldId id="289" r:id="rId5"/>
     <p:sldId id="290" r:id="rId6"/>
-    <p:sldId id="265" r:id="rId7"/>
-    <p:sldId id="269" r:id="rId8"/>
+    <p:sldId id="291" r:id="rId7"/>
+    <p:sldId id="265" r:id="rId8"/>
+    <p:sldId id="269" r:id="rId9"/>
   </p:sldIdLst>
   <p:sldSz cx="9144000" cy="6858000" type="screen4x3"/>
   <p:notesSz cx="6858000" cy="9144000"/>
@@ -226,7 +227,7 @@
           <a:p>
             <a:fld id="{2E054F57-E93D-4CC3-8A27-2F256E70BB98}" type="datetimeFigureOut">
               <a:rPr lang="en-US" smtClean="0"/>
-              <a:t>28 Jul 15</a:t>
+              <a:t>31 Jul 15</a:t>
             </a:fld>
             <a:endParaRPr lang="en-US"/>
           </a:p>
@@ -675,7 +676,7 @@
           <a:p>
             <a:fld id="{3EA744D9-3FBE-48D8-BF2A-85DF203E4D20}" type="datetimeFigureOut">
               <a:rPr lang="bg-BG" smtClean="0"/>
-              <a:t>28.7.2015 г.</a:t>
+              <a:t>31.7.2015 г.</a:t>
             </a:fld>
             <a:endParaRPr lang="bg-BG"/>
           </a:p>
@@ -845,7 +846,7 @@
           <a:p>
             <a:fld id="{3EA744D9-3FBE-48D8-BF2A-85DF203E4D20}" type="datetimeFigureOut">
               <a:rPr lang="bg-BG" smtClean="0"/>
-              <a:t>28.7.2015 г.</a:t>
+              <a:t>31.7.2015 г.</a:t>
             </a:fld>
             <a:endParaRPr lang="bg-BG"/>
           </a:p>
@@ -1025,7 +1026,7 @@
           <a:p>
             <a:fld id="{3EA744D9-3FBE-48D8-BF2A-85DF203E4D20}" type="datetimeFigureOut">
               <a:rPr lang="bg-BG" smtClean="0"/>
-              <a:t>28.7.2015 г.</a:t>
+              <a:t>31.7.2015 г.</a:t>
             </a:fld>
             <a:endParaRPr lang="bg-BG"/>
           </a:p>
@@ -1195,7 +1196,7 @@
           <a:p>
             <a:fld id="{3EA744D9-3FBE-48D8-BF2A-85DF203E4D20}" type="datetimeFigureOut">
               <a:rPr lang="bg-BG" smtClean="0"/>
-              <a:t>28.7.2015 г.</a:t>
+              <a:t>31.7.2015 г.</a:t>
             </a:fld>
             <a:endParaRPr lang="bg-BG"/>
           </a:p>
@@ -1441,7 +1442,7 @@
           <a:p>
             <a:fld id="{3EA744D9-3FBE-48D8-BF2A-85DF203E4D20}" type="datetimeFigureOut">
               <a:rPr lang="bg-BG" smtClean="0"/>
-              <a:t>28.7.2015 г.</a:t>
+              <a:t>31.7.2015 г.</a:t>
             </a:fld>
             <a:endParaRPr lang="bg-BG"/>
           </a:p>
@@ -1729,7 +1730,7 @@
           <a:p>
             <a:fld id="{3EA744D9-3FBE-48D8-BF2A-85DF203E4D20}" type="datetimeFigureOut">
               <a:rPr lang="bg-BG" smtClean="0"/>
-              <a:t>28.7.2015 г.</a:t>
+              <a:t>31.7.2015 г.</a:t>
             </a:fld>
             <a:endParaRPr lang="bg-BG"/>
           </a:p>
@@ -2151,7 +2152,7 @@
           <a:p>
             <a:fld id="{3EA744D9-3FBE-48D8-BF2A-85DF203E4D20}" type="datetimeFigureOut">
               <a:rPr lang="bg-BG" smtClean="0"/>
-              <a:t>28.7.2015 г.</a:t>
+              <a:t>31.7.2015 г.</a:t>
             </a:fld>
             <a:endParaRPr lang="bg-BG"/>
           </a:p>
@@ -2269,7 +2270,7 @@
           <a:p>
             <a:fld id="{3EA744D9-3FBE-48D8-BF2A-85DF203E4D20}" type="datetimeFigureOut">
               <a:rPr lang="bg-BG" smtClean="0"/>
-              <a:t>28.7.2015 г.</a:t>
+              <a:t>31.7.2015 г.</a:t>
             </a:fld>
             <a:endParaRPr lang="bg-BG"/>
           </a:p>
@@ -2364,7 +2365,7 @@
           <a:p>
             <a:fld id="{3EA744D9-3FBE-48D8-BF2A-85DF203E4D20}" type="datetimeFigureOut">
               <a:rPr lang="bg-BG" smtClean="0"/>
-              <a:t>28.7.2015 г.</a:t>
+              <a:t>31.7.2015 г.</a:t>
             </a:fld>
             <a:endParaRPr lang="bg-BG"/>
           </a:p>
@@ -2641,7 +2642,7 @@
           <a:p>
             <a:fld id="{3EA744D9-3FBE-48D8-BF2A-85DF203E4D20}" type="datetimeFigureOut">
               <a:rPr lang="bg-BG" smtClean="0"/>
-              <a:t>28.7.2015 г.</a:t>
+              <a:t>31.7.2015 г.</a:t>
             </a:fld>
             <a:endParaRPr lang="bg-BG"/>
           </a:p>
@@ -2894,7 +2895,7 @@
           <a:p>
             <a:fld id="{3EA744D9-3FBE-48D8-BF2A-85DF203E4D20}" type="datetimeFigureOut">
               <a:rPr lang="bg-BG" smtClean="0"/>
-              <a:t>28.7.2015 г.</a:t>
+              <a:t>31.7.2015 г.</a:t>
             </a:fld>
             <a:endParaRPr lang="bg-BG"/>
           </a:p>
@@ -3116,7 +3117,7 @@
           <a:p>
             <a:fld id="{3EA744D9-3FBE-48D8-BF2A-85DF203E4D20}" type="datetimeFigureOut">
               <a:rPr lang="bg-BG" smtClean="0"/>
-              <a:t>28.7.2015 г.</a:t>
+              <a:t>31.7.2015 г.</a:t>
             </a:fld>
             <a:endParaRPr lang="bg-BG"/>
           </a:p>
@@ -4303,17 +4304,7 @@
                 <a:latin typeface="+mj-lt"/>
                 <a:cs typeface="Courier New" panose="02070309020205020404" pitchFamily="49" charset="0"/>
               </a:rPr>
-              <a:t>Не работи без компилация, съответно н</a:t>
-            </a:r>
-            <a:r>
-              <a:rPr lang="bg-BG" sz="3000" dirty="0" smtClean="0">
-                <a:solidFill>
-                  <a:schemeClr val="bg1"/>
-                </a:solidFill>
-                <a:latin typeface="+mj-lt"/>
-                <a:cs typeface="Courier New" panose="02070309020205020404" pitchFamily="49" charset="0"/>
-              </a:rPr>
-              <a:t>яма възможност за бърза редакция на нужните файлове</a:t>
+              <a:t>Не работи без компилация, съответно няма възможност за бърза редакция на нужните файлове</a:t>
             </a:r>
           </a:p>
           <a:p>
@@ -4331,13 +4322,6 @@
               </a:rPr>
               <a:t>В някои случаи повече може да навреди, отколкото да помогне</a:t>
             </a:r>
-            <a:endParaRPr lang="bg-BG" sz="3000" dirty="0" smtClean="0">
-              <a:solidFill>
-                <a:schemeClr val="bg1"/>
-              </a:solidFill>
-              <a:latin typeface="+mj-lt"/>
-              <a:cs typeface="Courier New" panose="02070309020205020404" pitchFamily="49" charset="0"/>
-            </a:endParaRPr>
           </a:p>
           <a:p>
             <a:pPr>
@@ -5732,6 +5716,826 @@
         </p:nvSpPr>
         <p:spPr>
           <a:xfrm>
+            <a:off x="457200" y="685800"/>
+            <a:ext cx="8610600" cy="1143000"/>
+          </a:xfrm>
+        </p:spPr>
+        <p:txBody>
+          <a:bodyPr>
+            <a:normAutofit fontScale="90000"/>
+          </a:bodyPr>
+          <a:lstStyle/>
+          <a:p>
+            <a:pPr algn="l"/>
+            <a:r>
+              <a:rPr lang="en-US" dirty="0" smtClean="0">
+                <a:solidFill>
+                  <a:schemeClr val="accent6"/>
+                </a:solidFill>
+              </a:rPr>
+              <a:t>LESS </a:t>
+            </a:r>
+            <a:r>
+              <a:rPr lang="en-US" dirty="0" smtClean="0">
+                <a:solidFill>
+                  <a:schemeClr val="accent6"/>
+                </a:solidFill>
+              </a:rPr>
+              <a:t>– </a:t>
+            </a:r>
+            <a:r>
+              <a:rPr lang="bg-BG" dirty="0" smtClean="0">
+                <a:solidFill>
+                  <a:schemeClr val="accent6"/>
+                </a:solidFill>
+              </a:rPr>
+              <a:t>примерна структура на проект</a:t>
+            </a:r>
+            <a:endParaRPr lang="bg-BG" dirty="0">
+              <a:solidFill>
+                <a:schemeClr val="accent6"/>
+              </a:solidFill>
+            </a:endParaRPr>
+          </a:p>
+        </p:txBody>
+      </p:sp>
+      <p:sp>
+        <p:nvSpPr>
+          <p:cNvPr id="6" name="Content Placeholder 5"/>
+          <p:cNvSpPr>
+            <a:spLocks noGrp="1"/>
+          </p:cNvSpPr>
+          <p:nvPr>
+            <p:ph idx="1"/>
+          </p:nvPr>
+        </p:nvSpPr>
+        <p:spPr/>
+        <p:txBody>
+          <a:bodyPr>
+            <a:noAutofit/>
+          </a:bodyPr>
+          <a:lstStyle/>
+          <a:p>
+            <a:pPr>
+              <a:buFont typeface="Wingdings" panose="05000000000000000000" pitchFamily="2" charset="2"/>
+              <a:buChar char="§"/>
+            </a:pPr>
+            <a:r>
+              <a:rPr lang="en-US" sz="2800" dirty="0" smtClean="0">
+                <a:solidFill>
+                  <a:schemeClr val="bg1"/>
+                </a:solidFill>
+                <a:latin typeface="+mj-lt"/>
+                <a:cs typeface="Courier New" panose="02070309020205020404" pitchFamily="49" charset="0"/>
+              </a:rPr>
+              <a:t>index.html</a:t>
+            </a:r>
+          </a:p>
+          <a:p>
+            <a:pPr>
+              <a:buFont typeface="Wingdings" panose="05000000000000000000" pitchFamily="2" charset="2"/>
+              <a:buChar char="§"/>
+            </a:pPr>
+            <a:r>
+              <a:rPr lang="en-US" sz="2800" dirty="0" smtClean="0">
+                <a:solidFill>
+                  <a:schemeClr val="bg1"/>
+                </a:solidFill>
+                <a:latin typeface="+mj-lt"/>
+                <a:cs typeface="Courier New" panose="02070309020205020404" pitchFamily="49" charset="0"/>
+              </a:rPr>
+              <a:t>style.css</a:t>
+            </a:r>
+            <a:endParaRPr lang="en-US" sz="2800" dirty="0">
+              <a:solidFill>
+                <a:schemeClr val="bg1"/>
+              </a:solidFill>
+              <a:latin typeface="+mj-lt"/>
+              <a:cs typeface="Courier New" panose="02070309020205020404" pitchFamily="49" charset="0"/>
+            </a:endParaRPr>
+          </a:p>
+          <a:p>
+            <a:pPr lvl="2">
+              <a:buFont typeface="Wingdings" panose="05000000000000000000" pitchFamily="2" charset="2"/>
+              <a:buChar char="§"/>
+            </a:pPr>
+            <a:r>
+              <a:rPr lang="en-US" sz="2800" dirty="0" err="1" smtClean="0">
+                <a:solidFill>
+                  <a:schemeClr val="bg1"/>
+                </a:solidFill>
+                <a:latin typeface="+mj-lt"/>
+                <a:cs typeface="Courier New" panose="02070309020205020404" pitchFamily="49" charset="0"/>
+              </a:rPr>
+              <a:t>style.less</a:t>
+            </a:r>
+            <a:endParaRPr lang="en-US" sz="2800" dirty="0" smtClean="0">
+              <a:solidFill>
+                <a:schemeClr val="bg1"/>
+              </a:solidFill>
+              <a:latin typeface="+mj-lt"/>
+              <a:cs typeface="Courier New" panose="02070309020205020404" pitchFamily="49" charset="0"/>
+            </a:endParaRPr>
+          </a:p>
+          <a:p>
+            <a:pPr lvl="6"/>
+            <a:r>
+              <a:rPr lang="en-US" sz="2800" dirty="0" err="1" smtClean="0">
+                <a:solidFill>
+                  <a:schemeClr val="bg1"/>
+                </a:solidFill>
+                <a:latin typeface="+mj-lt"/>
+                <a:cs typeface="Courier New" panose="02070309020205020404" pitchFamily="49" charset="0"/>
+              </a:rPr>
+              <a:t>helpers.less</a:t>
+            </a:r>
+            <a:endParaRPr lang="en-US" sz="2800" dirty="0" smtClean="0">
+              <a:solidFill>
+                <a:schemeClr val="bg1"/>
+              </a:solidFill>
+              <a:latin typeface="+mj-lt"/>
+              <a:cs typeface="Courier New" panose="02070309020205020404" pitchFamily="49" charset="0"/>
+            </a:endParaRPr>
+          </a:p>
+          <a:p>
+            <a:pPr lvl="6"/>
+            <a:r>
+              <a:rPr lang="en-US" sz="2800" dirty="0" err="1" smtClean="0">
+                <a:solidFill>
+                  <a:schemeClr val="bg1"/>
+                </a:solidFill>
+                <a:latin typeface="+mj-lt"/>
+                <a:cs typeface="Courier New" panose="02070309020205020404" pitchFamily="49" charset="0"/>
+              </a:rPr>
+              <a:t>variables.less</a:t>
+            </a:r>
+            <a:endParaRPr lang="en-US" sz="2800" dirty="0" smtClean="0">
+              <a:solidFill>
+                <a:schemeClr val="bg1"/>
+              </a:solidFill>
+              <a:latin typeface="+mj-lt"/>
+              <a:cs typeface="Courier New" panose="02070309020205020404" pitchFamily="49" charset="0"/>
+            </a:endParaRPr>
+          </a:p>
+          <a:p>
+            <a:pPr lvl="6"/>
+            <a:r>
+              <a:rPr lang="en-US" sz="2800" dirty="0" err="1" smtClean="0">
+                <a:solidFill>
+                  <a:schemeClr val="bg1"/>
+                </a:solidFill>
+                <a:latin typeface="+mj-lt"/>
+                <a:cs typeface="Courier New" panose="02070309020205020404" pitchFamily="49" charset="0"/>
+              </a:rPr>
+              <a:t>mixins.less</a:t>
+            </a:r>
+            <a:endParaRPr lang="en-US" sz="2800" dirty="0" smtClean="0">
+              <a:solidFill>
+                <a:schemeClr val="bg1"/>
+              </a:solidFill>
+              <a:latin typeface="+mj-lt"/>
+              <a:cs typeface="Courier New" panose="02070309020205020404" pitchFamily="49" charset="0"/>
+            </a:endParaRPr>
+          </a:p>
+          <a:p>
+            <a:pPr lvl="6"/>
+            <a:r>
+              <a:rPr lang="en-US" sz="2800" dirty="0" err="1" smtClean="0">
+                <a:solidFill>
+                  <a:schemeClr val="bg1"/>
+                </a:solidFill>
+                <a:latin typeface="+mj-lt"/>
+                <a:cs typeface="Courier New" panose="02070309020205020404" pitchFamily="49" charset="0"/>
+              </a:rPr>
+              <a:t>navigation.less</a:t>
+            </a:r>
+            <a:endParaRPr lang="en-US" sz="2800" dirty="0" smtClean="0">
+              <a:solidFill>
+                <a:schemeClr val="bg1"/>
+              </a:solidFill>
+              <a:latin typeface="+mj-lt"/>
+              <a:cs typeface="Courier New" panose="02070309020205020404" pitchFamily="49" charset="0"/>
+            </a:endParaRPr>
+          </a:p>
+          <a:p>
+            <a:pPr lvl="6"/>
+            <a:r>
+              <a:rPr lang="en-US" sz="2800" dirty="0" err="1" smtClean="0">
+                <a:solidFill>
+                  <a:schemeClr val="bg1"/>
+                </a:solidFill>
+                <a:latin typeface="+mj-lt"/>
+                <a:cs typeface="Courier New" panose="02070309020205020404" pitchFamily="49" charset="0"/>
+              </a:rPr>
+              <a:t>icons.less</a:t>
+            </a:r>
+            <a:endParaRPr lang="en-US" sz="2800" dirty="0" smtClean="0">
+              <a:solidFill>
+                <a:schemeClr val="bg1"/>
+              </a:solidFill>
+              <a:latin typeface="+mj-lt"/>
+              <a:cs typeface="Courier New" panose="02070309020205020404" pitchFamily="49" charset="0"/>
+            </a:endParaRPr>
+          </a:p>
+          <a:p>
+            <a:pPr lvl="6"/>
+            <a:r>
+              <a:rPr lang="en-US" sz="2800" dirty="0" err="1" smtClean="0">
+                <a:solidFill>
+                  <a:schemeClr val="bg1"/>
+                </a:solidFill>
+                <a:latin typeface="+mj-lt"/>
+                <a:cs typeface="Courier New" panose="02070309020205020404" pitchFamily="49" charset="0"/>
+              </a:rPr>
+              <a:t>buttons.less</a:t>
+            </a:r>
+            <a:endParaRPr lang="en-US" sz="2800" dirty="0" smtClean="0">
+              <a:solidFill>
+                <a:schemeClr val="bg1"/>
+              </a:solidFill>
+              <a:latin typeface="+mj-lt"/>
+              <a:cs typeface="Courier New" panose="02070309020205020404" pitchFamily="49" charset="0"/>
+            </a:endParaRPr>
+          </a:p>
+          <a:p>
+            <a:pPr>
+              <a:buFont typeface="Wingdings" panose="05000000000000000000" pitchFamily="2" charset="2"/>
+              <a:buChar char="§"/>
+            </a:pPr>
+            <a:endParaRPr lang="en-US" sz="2800" dirty="0">
+              <a:solidFill>
+                <a:schemeClr val="bg1"/>
+              </a:solidFill>
+              <a:latin typeface="+mj-lt"/>
+              <a:cs typeface="Courier New" panose="02070309020205020404" pitchFamily="49" charset="0"/>
+            </a:endParaRPr>
+          </a:p>
+          <a:p>
+            <a:pPr>
+              <a:buFont typeface="Wingdings" panose="05000000000000000000" pitchFamily="2" charset="2"/>
+              <a:buChar char="§"/>
+            </a:pPr>
+            <a:endParaRPr lang="en-US" sz="2800" dirty="0" smtClean="0">
+              <a:solidFill>
+                <a:schemeClr val="bg1"/>
+              </a:solidFill>
+              <a:latin typeface="+mj-lt"/>
+              <a:cs typeface="Courier New" panose="02070309020205020404" pitchFamily="49" charset="0"/>
+            </a:endParaRPr>
+          </a:p>
+          <a:p>
+            <a:pPr>
+              <a:buFont typeface="Wingdings" panose="05000000000000000000" pitchFamily="2" charset="2"/>
+              <a:buChar char="§"/>
+            </a:pPr>
+            <a:endParaRPr lang="en-US" sz="2800" dirty="0">
+              <a:solidFill>
+                <a:schemeClr val="bg1"/>
+              </a:solidFill>
+              <a:latin typeface="+mj-lt"/>
+              <a:cs typeface="Courier New" panose="02070309020205020404" pitchFamily="49" charset="0"/>
+            </a:endParaRPr>
+          </a:p>
+          <a:p>
+            <a:pPr>
+              <a:buFont typeface="Wingdings" panose="05000000000000000000" pitchFamily="2" charset="2"/>
+              <a:buChar char="§"/>
+            </a:pPr>
+            <a:endParaRPr lang="en-US" sz="2800" dirty="0" smtClean="0">
+              <a:solidFill>
+                <a:schemeClr val="bg1"/>
+              </a:solidFill>
+              <a:latin typeface="+mj-lt"/>
+              <a:cs typeface="Courier New" panose="02070309020205020404" pitchFamily="49" charset="0"/>
+            </a:endParaRPr>
+          </a:p>
+        </p:txBody>
+      </p:sp>
+      <p:sp>
+        <p:nvSpPr>
+          <p:cNvPr id="3" name="Rectangle 1"/>
+          <p:cNvSpPr>
+            <a:spLocks noChangeArrowheads="1"/>
+          </p:cNvSpPr>
+          <p:nvPr/>
+        </p:nvSpPr>
+        <p:spPr bwMode="auto">
+          <a:xfrm>
+            <a:off x="0" y="0"/>
+            <a:ext cx="9144000" cy="0"/>
+          </a:xfrm>
+          <a:prstGeom prst="rect">
+            <a:avLst/>
+          </a:prstGeom>
+          <a:solidFill>
+            <a:srgbClr val="F1F1F1"/>
+          </a:solidFill>
+          <a:ln>
+            <a:noFill/>
+          </a:ln>
+          <a:effectLst/>
+          <a:extLst>
+            <a:ext uri="{91240B29-F687-4F45-9708-019B960494DF}">
+              <a14:hiddenLine xmlns:a14="http://schemas.microsoft.com/office/drawing/2010/main" w="9525">
+                <a:solidFill>
+                  <a:schemeClr val="tx1"/>
+                </a:solidFill>
+                <a:miter lim="800000"/>
+                <a:headEnd/>
+                <a:tailEnd/>
+              </a14:hiddenLine>
+            </a:ext>
+            <a:ext uri="{AF507438-7753-43E0-B8FC-AC1667EBCBE1}">
+              <a14:hiddenEffects xmlns:a14="http://schemas.microsoft.com/office/drawing/2010/main">
+                <a:effectLst>
+                  <a:outerShdw dist="35921" dir="2700000" algn="ctr" rotWithShape="0">
+                    <a:schemeClr val="bg2"/>
+                  </a:outerShdw>
+                </a:effectLst>
+              </a14:hiddenEffects>
+            </a:ext>
+          </a:extLst>
+        </p:spPr>
+        <p:txBody>
+          <a:bodyPr vert="horz" wrap="none" lIns="91440" tIns="0" rIns="91440" bIns="88872" numCol="1" anchor="ctr" anchorCtr="0" compatLnSpc="1">
+            <a:prstTxWarp prst="textNoShape">
+              <a:avLst/>
+            </a:prstTxWarp>
+            <a:spAutoFit/>
+          </a:bodyPr>
+          <a:lstStyle/>
+          <a:p>
+            <a:pPr marL="0" marR="0" lvl="0" indent="0" algn="l" defTabSz="914400" rtl="0" eaLnBrk="0" fontAlgn="base" latinLnBrk="0" hangingPunct="0">
+              <a:lnSpc>
+                <a:spcPct val="100000"/>
+              </a:lnSpc>
+              <a:spcBef>
+                <a:spcPct val="0"/>
+              </a:spcBef>
+              <a:spcAft>
+                <a:spcPct val="0"/>
+              </a:spcAft>
+              <a:buClrTx/>
+              <a:buSzTx/>
+              <a:buFontTx/>
+              <a:buNone/>
+              <a:tabLst/>
+            </a:pPr>
+            <a:endParaRPr kumimoji="0" lang="en-US" altLang="en-US" sz="1800" b="0" i="0" u="none" strike="noStrike" cap="none" normalizeH="0" baseline="0" smtClean="0">
+              <a:ln>
+                <a:noFill/>
+              </a:ln>
+              <a:solidFill>
+                <a:schemeClr val="tx1"/>
+              </a:solidFill>
+              <a:effectLst/>
+              <a:latin typeface="Arial" panose="020B0604020202020204" pitchFamily="34" charset="0"/>
+            </a:endParaRPr>
+          </a:p>
+          <a:p>
+            <a:pPr marL="0" marR="0" lvl="0" indent="0" algn="l" defTabSz="914400" rtl="0" eaLnBrk="0" fontAlgn="base" latinLnBrk="0" hangingPunct="0">
+              <a:lnSpc>
+                <a:spcPct val="100000"/>
+              </a:lnSpc>
+              <a:spcBef>
+                <a:spcPct val="0"/>
+              </a:spcBef>
+              <a:spcAft>
+                <a:spcPct val="0"/>
+              </a:spcAft>
+              <a:buClrTx/>
+              <a:buSzTx/>
+              <a:buFontTx/>
+              <a:buChar char="•"/>
+              <a:tabLst/>
+            </a:pPr>
+            <a:r>
+              <a:rPr kumimoji="0" lang="en-US" altLang="en-US" sz="1100" b="0" i="0" u="none" strike="noStrike" cap="none" normalizeH="0" baseline="0" smtClean="0">
+                <a:ln>
+                  <a:noFill/>
+                </a:ln>
+                <a:solidFill>
+                  <a:srgbClr val="DC143C"/>
+                </a:solidFill>
+                <a:effectLst/>
+                <a:latin typeface="Menlo"/>
+              </a:rPr>
+              <a:t>column-count</a:t>
+            </a:r>
+            <a:endParaRPr kumimoji="0" lang="en-US" altLang="en-US" sz="1100" b="0" i="0" u="none" strike="noStrike" cap="none" normalizeH="0" baseline="0" smtClean="0">
+              <a:ln>
+                <a:noFill/>
+              </a:ln>
+              <a:solidFill>
+                <a:srgbClr val="333333"/>
+              </a:solidFill>
+              <a:effectLst/>
+              <a:latin typeface="Verdana" panose="020B0604030504040204" pitchFamily="34" charset="0"/>
+            </a:endParaRPr>
+          </a:p>
+          <a:p>
+            <a:pPr marL="0" marR="0" lvl="0" indent="0" algn="l" defTabSz="914400" rtl="0" eaLnBrk="0" fontAlgn="base" latinLnBrk="0" hangingPunct="0">
+              <a:lnSpc>
+                <a:spcPct val="100000"/>
+              </a:lnSpc>
+              <a:spcBef>
+                <a:spcPct val="0"/>
+              </a:spcBef>
+              <a:spcAft>
+                <a:spcPct val="0"/>
+              </a:spcAft>
+              <a:buClrTx/>
+              <a:buSzTx/>
+              <a:buFontTx/>
+              <a:buNone/>
+              <a:tabLst/>
+            </a:pPr>
+            <a:endParaRPr kumimoji="0" lang="en-US" altLang="en-US" sz="1800" b="0" i="0" u="none" strike="noStrike" cap="none" normalizeH="0" baseline="0" smtClean="0">
+              <a:ln>
+                <a:noFill/>
+              </a:ln>
+              <a:solidFill>
+                <a:schemeClr val="tx1"/>
+              </a:solidFill>
+              <a:effectLst/>
+              <a:latin typeface="Arial" panose="020B0604020202020204" pitchFamily="34" charset="0"/>
+            </a:endParaRPr>
+          </a:p>
+        </p:txBody>
+      </p:sp>
+      <p:sp>
+        <p:nvSpPr>
+          <p:cNvPr id="5" name="Rectangle 3"/>
+          <p:cNvSpPr>
+            <a:spLocks noChangeArrowheads="1"/>
+          </p:cNvSpPr>
+          <p:nvPr/>
+        </p:nvSpPr>
+        <p:spPr bwMode="auto">
+          <a:xfrm>
+            <a:off x="152400" y="152400"/>
+            <a:ext cx="9144000" cy="0"/>
+          </a:xfrm>
+          <a:prstGeom prst="rect">
+            <a:avLst/>
+          </a:prstGeom>
+          <a:solidFill>
+            <a:srgbClr val="F1F1F1"/>
+          </a:solidFill>
+          <a:ln>
+            <a:noFill/>
+          </a:ln>
+          <a:effectLst/>
+          <a:extLst>
+            <a:ext uri="{91240B29-F687-4F45-9708-019B960494DF}">
+              <a14:hiddenLine xmlns:a14="http://schemas.microsoft.com/office/drawing/2010/main" w="9525">
+                <a:solidFill>
+                  <a:schemeClr val="tx1"/>
+                </a:solidFill>
+                <a:miter lim="800000"/>
+                <a:headEnd/>
+                <a:tailEnd/>
+              </a14:hiddenLine>
+            </a:ext>
+            <a:ext uri="{AF507438-7753-43E0-B8FC-AC1667EBCBE1}">
+              <a14:hiddenEffects xmlns:a14="http://schemas.microsoft.com/office/drawing/2010/main">
+                <a:effectLst>
+                  <a:outerShdw dist="35921" dir="2700000" algn="ctr" rotWithShape="0">
+                    <a:schemeClr val="bg2"/>
+                  </a:outerShdw>
+                </a:effectLst>
+              </a14:hiddenEffects>
+            </a:ext>
+          </a:extLst>
+        </p:spPr>
+        <p:txBody>
+          <a:bodyPr vert="horz" wrap="none" lIns="91440" tIns="0" rIns="91440" bIns="88872" numCol="1" anchor="ctr" anchorCtr="0" compatLnSpc="1">
+            <a:prstTxWarp prst="textNoShape">
+              <a:avLst/>
+            </a:prstTxWarp>
+            <a:spAutoFit/>
+          </a:bodyPr>
+          <a:lstStyle/>
+          <a:p>
+            <a:pPr marL="0" marR="0" lvl="0" indent="0" algn="l" defTabSz="914400" rtl="0" eaLnBrk="0" fontAlgn="base" latinLnBrk="0" hangingPunct="0">
+              <a:lnSpc>
+                <a:spcPct val="100000"/>
+              </a:lnSpc>
+              <a:spcBef>
+                <a:spcPct val="0"/>
+              </a:spcBef>
+              <a:spcAft>
+                <a:spcPct val="0"/>
+              </a:spcAft>
+              <a:buClrTx/>
+              <a:buSzTx/>
+              <a:buFontTx/>
+              <a:buNone/>
+              <a:tabLst/>
+            </a:pPr>
+            <a:endParaRPr kumimoji="0" lang="en-US" altLang="en-US" sz="1800" b="0" i="0" u="none" strike="noStrike" cap="none" normalizeH="0" baseline="0" smtClean="0">
+              <a:ln>
+                <a:noFill/>
+              </a:ln>
+              <a:solidFill>
+                <a:schemeClr val="tx1"/>
+              </a:solidFill>
+              <a:effectLst/>
+              <a:latin typeface="Arial" panose="020B0604020202020204" pitchFamily="34" charset="0"/>
+            </a:endParaRPr>
+          </a:p>
+          <a:p>
+            <a:pPr marL="0" marR="0" lvl="0" indent="0" algn="l" defTabSz="914400" rtl="0" eaLnBrk="0" fontAlgn="base" latinLnBrk="0" hangingPunct="0">
+              <a:lnSpc>
+                <a:spcPct val="100000"/>
+              </a:lnSpc>
+              <a:spcBef>
+                <a:spcPct val="0"/>
+              </a:spcBef>
+              <a:spcAft>
+                <a:spcPct val="0"/>
+              </a:spcAft>
+              <a:buClrTx/>
+              <a:buSzTx/>
+              <a:buFontTx/>
+              <a:buChar char="•"/>
+              <a:tabLst/>
+            </a:pPr>
+            <a:r>
+              <a:rPr kumimoji="0" lang="en-US" altLang="en-US" sz="1100" b="0" i="0" u="none" strike="noStrike" cap="none" normalizeH="0" baseline="0" smtClean="0">
+                <a:ln>
+                  <a:noFill/>
+                </a:ln>
+                <a:solidFill>
+                  <a:srgbClr val="DC143C"/>
+                </a:solidFill>
+                <a:effectLst/>
+                <a:latin typeface="Menlo"/>
+              </a:rPr>
+              <a:t>column-count</a:t>
+            </a:r>
+            <a:endParaRPr kumimoji="0" lang="en-US" altLang="en-US" sz="1100" b="0" i="0" u="none" strike="noStrike" cap="none" normalizeH="0" baseline="0" smtClean="0">
+              <a:ln>
+                <a:noFill/>
+              </a:ln>
+              <a:solidFill>
+                <a:srgbClr val="333333"/>
+              </a:solidFill>
+              <a:effectLst/>
+              <a:latin typeface="Verdana" panose="020B0604030504040204" pitchFamily="34" charset="0"/>
+            </a:endParaRPr>
+          </a:p>
+          <a:p>
+            <a:pPr marL="0" marR="0" lvl="0" indent="0" algn="l" defTabSz="914400" rtl="0" eaLnBrk="0" fontAlgn="base" latinLnBrk="0" hangingPunct="0">
+              <a:lnSpc>
+                <a:spcPct val="100000"/>
+              </a:lnSpc>
+              <a:spcBef>
+                <a:spcPct val="0"/>
+              </a:spcBef>
+              <a:spcAft>
+                <a:spcPct val="0"/>
+              </a:spcAft>
+              <a:buClrTx/>
+              <a:buSzTx/>
+              <a:buFontTx/>
+              <a:buNone/>
+              <a:tabLst/>
+            </a:pPr>
+            <a:endParaRPr kumimoji="0" lang="en-US" altLang="en-US" sz="1800" b="0" i="0" u="none" strike="noStrike" cap="none" normalizeH="0" baseline="0" smtClean="0">
+              <a:ln>
+                <a:noFill/>
+              </a:ln>
+              <a:solidFill>
+                <a:schemeClr val="tx1"/>
+              </a:solidFill>
+              <a:effectLst/>
+              <a:latin typeface="Arial" panose="020B0604020202020204" pitchFamily="34" charset="0"/>
+            </a:endParaRPr>
+          </a:p>
+        </p:txBody>
+      </p:sp>
+      <p:cxnSp>
+        <p:nvCxnSpPr>
+          <p:cNvPr id="10" name="Straight Connector 9"/>
+          <p:cNvCxnSpPr/>
+          <p:nvPr/>
+        </p:nvCxnSpPr>
+        <p:spPr>
+          <a:xfrm>
+            <a:off x="3124200" y="3276600"/>
+            <a:ext cx="0" cy="2849563"/>
+          </a:xfrm>
+          <a:prstGeom prst="line">
+            <a:avLst/>
+          </a:prstGeom>
+        </p:spPr>
+        <p:style>
+          <a:lnRef idx="1">
+            <a:schemeClr val="accent2"/>
+          </a:lnRef>
+          <a:fillRef idx="0">
+            <a:schemeClr val="accent2"/>
+          </a:fillRef>
+          <a:effectRef idx="0">
+            <a:schemeClr val="accent2"/>
+          </a:effectRef>
+          <a:fontRef idx="minor">
+            <a:schemeClr val="tx1"/>
+          </a:fontRef>
+        </p:style>
+      </p:cxnSp>
+      <p:cxnSp>
+        <p:nvCxnSpPr>
+          <p:cNvPr id="12" name="Curved Connector 11"/>
+          <p:cNvCxnSpPr/>
+          <p:nvPr/>
+        </p:nvCxnSpPr>
+        <p:spPr>
+          <a:xfrm rot="16200000" flipV="1">
+            <a:off x="1866900" y="3543300"/>
+            <a:ext cx="1600200" cy="762000"/>
+          </a:xfrm>
+          <a:prstGeom prst="curvedConnector3">
+            <a:avLst/>
+          </a:prstGeom>
+          <a:ln>
+            <a:tailEnd type="triangle"/>
+          </a:ln>
+        </p:spPr>
+        <p:style>
+          <a:lnRef idx="1">
+            <a:schemeClr val="accent2"/>
+          </a:lnRef>
+          <a:fillRef idx="0">
+            <a:schemeClr val="accent2"/>
+          </a:fillRef>
+          <a:effectRef idx="0">
+            <a:schemeClr val="accent2"/>
+          </a:effectRef>
+          <a:fontRef idx="minor">
+            <a:schemeClr val="tx1"/>
+          </a:fontRef>
+        </p:style>
+      </p:cxnSp>
+      <p:sp>
+        <p:nvSpPr>
+          <p:cNvPr id="13" name="TextBox 12"/>
+          <p:cNvSpPr txBox="1"/>
+          <p:nvPr/>
+        </p:nvSpPr>
+        <p:spPr>
+          <a:xfrm>
+            <a:off x="1477923" y="3863181"/>
+            <a:ext cx="1173719" cy="400110"/>
+          </a:xfrm>
+          <a:prstGeom prst="rect">
+            <a:avLst/>
+          </a:prstGeom>
+          <a:noFill/>
+        </p:spPr>
+        <p:txBody>
+          <a:bodyPr wrap="none" rtlCol="0">
+            <a:spAutoFit/>
+          </a:bodyPr>
+          <a:lstStyle/>
+          <a:p>
+            <a:r>
+              <a:rPr lang="en-US" sz="2000" dirty="0" smtClean="0">
+                <a:solidFill>
+                  <a:schemeClr val="bg1"/>
+                </a:solidFill>
+              </a:rPr>
+              <a:t>@include</a:t>
+            </a:r>
+            <a:endParaRPr lang="en-US" sz="2000" dirty="0">
+              <a:solidFill>
+                <a:schemeClr val="bg1"/>
+              </a:solidFill>
+            </a:endParaRPr>
+          </a:p>
+        </p:txBody>
+      </p:sp>
+      <p:cxnSp>
+        <p:nvCxnSpPr>
+          <p:cNvPr id="17" name="Curved Connector 16"/>
+          <p:cNvCxnSpPr/>
+          <p:nvPr/>
+        </p:nvCxnSpPr>
+        <p:spPr>
+          <a:xfrm rot="10800000">
+            <a:off x="2209802" y="2362200"/>
+            <a:ext cx="533399" cy="381001"/>
+          </a:xfrm>
+          <a:prstGeom prst="curvedConnector3">
+            <a:avLst/>
+          </a:prstGeom>
+          <a:ln>
+            <a:tailEnd type="triangle"/>
+          </a:ln>
+        </p:spPr>
+        <p:style>
+          <a:lnRef idx="1">
+            <a:schemeClr val="accent2"/>
+          </a:lnRef>
+          <a:fillRef idx="0">
+            <a:schemeClr val="accent2"/>
+          </a:fillRef>
+          <a:effectRef idx="0">
+            <a:schemeClr val="accent2"/>
+          </a:effectRef>
+          <a:fontRef idx="minor">
+            <a:schemeClr val="tx1"/>
+          </a:fontRef>
+        </p:style>
+      </p:cxnSp>
+      <p:sp>
+        <p:nvSpPr>
+          <p:cNvPr id="18" name="TextBox 17"/>
+          <p:cNvSpPr txBox="1"/>
+          <p:nvPr/>
+        </p:nvSpPr>
+        <p:spPr>
+          <a:xfrm>
+            <a:off x="2476501" y="2129571"/>
+            <a:ext cx="1663789" cy="400110"/>
+          </a:xfrm>
+          <a:prstGeom prst="rect">
+            <a:avLst/>
+          </a:prstGeom>
+          <a:noFill/>
+        </p:spPr>
+        <p:txBody>
+          <a:bodyPr wrap="none" rtlCol="0">
+            <a:spAutoFit/>
+          </a:bodyPr>
+          <a:lstStyle/>
+          <a:p>
+            <a:r>
+              <a:rPr lang="bg-BG" sz="2000" dirty="0" smtClean="0">
+                <a:solidFill>
+                  <a:schemeClr val="bg1"/>
+                </a:solidFill>
+              </a:rPr>
+              <a:t>комплилация</a:t>
+            </a:r>
+            <a:endParaRPr lang="en-US" sz="2000" dirty="0">
+              <a:solidFill>
+                <a:schemeClr val="bg1"/>
+              </a:solidFill>
+            </a:endParaRPr>
+          </a:p>
+        </p:txBody>
+      </p:sp>
+    </p:spTree>
+    <p:extLst>
+      <p:ext uri="{BB962C8B-B14F-4D97-AF65-F5344CB8AC3E}">
+        <p14:creationId xmlns:p14="http://schemas.microsoft.com/office/powerpoint/2010/main" val="2118938864"/>
+      </p:ext>
+    </p:extLst>
+  </p:cSld>
+  <p:clrMapOvr>
+    <a:masterClrMapping/>
+  </p:clrMapOvr>
+  <p:timing>
+    <p:tnLst>
+      <p:par>
+        <p:cTn id="1" dur="indefinite" restart="never" nodeType="tmRoot"/>
+      </p:par>
+    </p:tnLst>
+  </p:timing>
+</p:sld>
+</file>
+
+<file path=ppt/slides/slide7.xml><?xml version="1.0" encoding="utf-8"?>
+<p:sld xmlns:a="http://schemas.openxmlformats.org/drawingml/2006/main" xmlns:r="http://schemas.openxmlformats.org/officeDocument/2006/relationships" xmlns:p="http://schemas.openxmlformats.org/presentationml/2006/main">
+  <p:cSld>
+    <p:spTree>
+      <p:nvGrpSpPr>
+        <p:cNvPr id="1" name=""/>
+        <p:cNvGrpSpPr/>
+        <p:nvPr/>
+      </p:nvGrpSpPr>
+      <p:grpSpPr>
+        <a:xfrm>
+          <a:off x="0" y="0"/>
+          <a:ext cx="0" cy="0"/>
+          <a:chOff x="0" y="0"/>
+          <a:chExt cx="0" cy="0"/>
+        </a:xfrm>
+      </p:grpSpPr>
+      <p:sp>
+        <p:nvSpPr>
+          <p:cNvPr id="2" name="Title 1"/>
+          <p:cNvSpPr>
+            <a:spLocks noGrp="1"/>
+          </p:cNvSpPr>
+          <p:nvPr>
+            <p:ph type="title"/>
+          </p:nvPr>
+        </p:nvSpPr>
+        <p:spPr>
+          <a:xfrm>
             <a:off x="838200" y="685800"/>
             <a:ext cx="8229600" cy="1143000"/>
           </a:xfrm>
@@ -5893,7 +6697,7 @@
 </p:sld>
 </file>
 
-<file path=ppt/slides/slide7.xml><?xml version="1.0" encoding="utf-8"?>
+<file path=ppt/slides/slide8.xml><?xml version="1.0" encoding="utf-8"?>
 <p:sld xmlns:a="http://schemas.openxmlformats.org/drawingml/2006/main" xmlns:r="http://schemas.openxmlformats.org/officeDocument/2006/relationships" xmlns:p="http://schemas.openxmlformats.org/presentationml/2006/main">
   <p:cSld>
     <p:spTree>

--- a/06-LESS.pptx
+++ b/06-LESS.pptx
@@ -5733,15 +5733,7 @@
                   <a:schemeClr val="accent6"/>
                 </a:solidFill>
               </a:rPr>
-              <a:t>LESS </a:t>
-            </a:r>
-            <a:r>
-              <a:rPr lang="en-US" dirty="0" smtClean="0">
-                <a:solidFill>
-                  <a:schemeClr val="accent6"/>
-                </a:solidFill>
-              </a:rPr>
-              <a:t>– </a:t>
+              <a:t>LESS – </a:t>
             </a:r>
             <a:r>
               <a:rPr lang="bg-BG" dirty="0" smtClean="0">
@@ -6776,6 +6768,56 @@
             <a:pPr marL="0" indent="0">
               <a:buNone/>
             </a:pPr>
+            <a:r>
+              <a:rPr lang="en-US" sz="2000" b="1" dirty="0" smtClean="0">
+                <a:solidFill>
+                  <a:schemeClr val="bg1">
+                    <a:lumMod val="95000"/>
+                  </a:schemeClr>
+                </a:solidFill>
+              </a:rPr>
+              <a:t>1. </a:t>
+            </a:r>
+            <a:r>
+              <a:rPr lang="bg-BG" sz="2000" b="1" dirty="0" smtClean="0">
+                <a:solidFill>
+                  <a:schemeClr val="bg1">
+                    <a:lumMod val="95000"/>
+                  </a:schemeClr>
+                </a:solidFill>
+              </a:rPr>
+              <a:t>Да се направи страница, подобна на </a:t>
+            </a:r>
+            <a:r>
+              <a:rPr lang="en-US" sz="2000" b="1" dirty="0" smtClean="0">
+                <a:solidFill>
+                  <a:schemeClr val="bg1">
+                    <a:lumMod val="95000"/>
+                  </a:schemeClr>
+                </a:solidFill>
+              </a:rPr>
+              <a:t>04-CSS-Tasks\task6.png, </a:t>
+            </a:r>
+            <a:r>
+              <a:rPr lang="bg-BG" sz="2000" b="1" dirty="0" smtClean="0">
+                <a:solidFill>
+                  <a:schemeClr val="bg1">
+                    <a:lumMod val="95000"/>
+                  </a:schemeClr>
+                </a:solidFill>
+              </a:rPr>
+              <a:t>като използвате </a:t>
+            </a:r>
+            <a:r>
+              <a:rPr lang="en-US" sz="2000" b="1" dirty="0" smtClean="0">
+                <a:solidFill>
+                  <a:schemeClr val="bg1">
+                    <a:lumMod val="95000"/>
+                  </a:schemeClr>
+                </a:solidFill>
+              </a:rPr>
+              <a:t>LESS.</a:t>
+            </a:r>
             <a:endParaRPr lang="bg-BG" sz="2000" b="1" dirty="0">
               <a:solidFill>
                 <a:schemeClr val="bg1">
